--- a/第一回/第一回資料.pptx
+++ b/第一回/第一回資料.pptx
@@ -5410,6 +5410,36 @@
           </a:p>
         </p:txBody>
       </p:sp>
+      <p:pic>
+        <p:nvPicPr>
+          <p:cNvPr id="4" name="図 3">
+            <a:extLst>
+              <a:ext uri="{FF2B5EF4-FFF2-40B4-BE49-F238E27FC236}">
+                <a16:creationId xmlns:a16="http://schemas.microsoft.com/office/drawing/2014/main" id="{49E05681-7874-3445-9CDD-1BBF20D040CD}"/>
+              </a:ext>
+            </a:extLst>
+          </p:cNvPr>
+          <p:cNvPicPr>
+            <a:picLocks noChangeAspect="1"/>
+          </p:cNvPicPr>
+          <p:nvPr/>
+        </p:nvPicPr>
+        <p:blipFill>
+          <a:blip r:embed="rId2"/>
+          <a:stretch>
+            <a:fillRect/>
+          </a:stretch>
+        </p:blipFill>
+        <p:spPr>
+          <a:xfrm>
+            <a:off x="1894114" y="2836178"/>
+            <a:ext cx="4686300" cy="3869422"/>
+          </a:xfrm>
+          <a:prstGeom prst="rect">
+            <a:avLst/>
+          </a:prstGeom>
+        </p:spPr>
+      </p:pic>
     </p:spTree>
     <p:extLst>
       <p:ext uri="{BB962C8B-B14F-4D97-AF65-F5344CB8AC3E}">

--- a/第一回/第一回資料.pptx
+++ b/第一回/第一回資料.pptx
@@ -5,10 +5,10 @@
     <p:sldMasterId id="2147483660" r:id="rId1"/>
   </p:sldMasterIdLst>
   <p:notesMasterIdLst>
-    <p:notesMasterId r:id="rId13"/>
+    <p:notesMasterId r:id="rId15"/>
   </p:notesMasterIdLst>
   <p:handoutMasterIdLst>
-    <p:handoutMasterId r:id="rId14"/>
+    <p:handoutMasterId r:id="rId16"/>
   </p:handoutMasterIdLst>
   <p:sldIdLst>
     <p:sldId id="296" r:id="rId2"/>
@@ -19,9 +19,11 @@
     <p:sldId id="309" r:id="rId7"/>
     <p:sldId id="311" r:id="rId8"/>
     <p:sldId id="313" r:id="rId9"/>
-    <p:sldId id="257" r:id="rId10"/>
-    <p:sldId id="314" r:id="rId11"/>
-    <p:sldId id="315" r:id="rId12"/>
+    <p:sldId id="316" r:id="rId10"/>
+    <p:sldId id="257" r:id="rId11"/>
+    <p:sldId id="314" r:id="rId12"/>
+    <p:sldId id="317" r:id="rId13"/>
+    <p:sldId id="315" r:id="rId14"/>
   </p:sldIdLst>
   <p:sldSz cx="9144000" cy="6858000" type="screen4x3"/>
   <p:notesSz cx="6858000" cy="9144000"/>
@@ -225,7 +227,7 @@
           <a:p>
             <a:fld id="{AA22101E-728B-184D-A501-564ACA79EF3F}" type="datetimeFigureOut">
               <a:rPr kumimoji="1" lang="ja-JP" altLang="en-US" smtClean="0"/>
-              <a:t>2019/9/21</a:t>
+              <a:t>2019/9/23</a:t>
             </a:fld>
             <a:endParaRPr kumimoji="1" lang="ja-JP" altLang="en-US"/>
           </a:p>
@@ -402,7 +404,7 @@
           <a:p>
             <a:fld id="{43A4CDF4-08BC-8A4A-A816-FA326C9398D5}" type="datetimeFigureOut">
               <a:rPr kumimoji="1" lang="ja-JP" altLang="en-US" smtClean="0"/>
-              <a:t>2019/9/21</a:t>
+              <a:t>2019/9/23</a:t>
             </a:fld>
             <a:endParaRPr kumimoji="1" lang="ja-JP" altLang="en-US"/>
           </a:p>
@@ -898,7 +900,7 @@
           <a:p>
             <a:fld id="{22946CDD-378E-A84A-8F0C-B44022576CF0}" type="datetimeFigureOut">
               <a:rPr kumimoji="1" lang="ja-JP" altLang="en-US" smtClean="0"/>
-              <a:t>2019/9/21</a:t>
+              <a:t>2019/9/23</a:t>
             </a:fld>
             <a:endParaRPr kumimoji="1" lang="ja-JP" altLang="en-US"/>
           </a:p>
@@ -1095,7 +1097,7 @@
           <a:p>
             <a:fld id="{22946CDD-378E-A84A-8F0C-B44022576CF0}" type="datetimeFigureOut">
               <a:rPr kumimoji="1" lang="ja-JP" altLang="en-US" smtClean="0"/>
-              <a:t>2019/9/21</a:t>
+              <a:t>2019/9/23</a:t>
             </a:fld>
             <a:endParaRPr kumimoji="1" lang="ja-JP" altLang="en-US"/>
           </a:p>
@@ -1302,7 +1304,7 @@
           <a:p>
             <a:fld id="{22946CDD-378E-A84A-8F0C-B44022576CF0}" type="datetimeFigureOut">
               <a:rPr kumimoji="1" lang="ja-JP" altLang="en-US" smtClean="0"/>
-              <a:t>2019/9/21</a:t>
+              <a:t>2019/9/23</a:t>
             </a:fld>
             <a:endParaRPr kumimoji="1" lang="ja-JP" altLang="en-US"/>
           </a:p>
@@ -1683,7 +1685,7 @@
           <a:p>
             <a:fld id="{22946CDD-378E-A84A-8F0C-B44022576CF0}" type="datetimeFigureOut">
               <a:rPr kumimoji="1" lang="ja-JP" altLang="en-US" smtClean="0"/>
-              <a:t>2019/9/21</a:t>
+              <a:t>2019/9/23</a:t>
             </a:fld>
             <a:endParaRPr kumimoji="1" lang="ja-JP" altLang="en-US"/>
           </a:p>
@@ -2025,7 +2027,7 @@
           <a:p>
             <a:fld id="{22946CDD-378E-A84A-8F0C-B44022576CF0}" type="datetimeFigureOut">
               <a:rPr kumimoji="1" lang="ja-JP" altLang="en-US" smtClean="0"/>
-              <a:t>2019/9/21</a:t>
+              <a:t>2019/9/23</a:t>
             </a:fld>
             <a:endParaRPr kumimoji="1" lang="ja-JP" altLang="en-US"/>
           </a:p>
@@ -2316,7 +2318,7 @@
           <a:p>
             <a:fld id="{22946CDD-378E-A84A-8F0C-B44022576CF0}" type="datetimeFigureOut">
               <a:rPr kumimoji="1" lang="ja-JP" altLang="en-US" smtClean="0"/>
-              <a:t>2019/9/21</a:t>
+              <a:t>2019/9/23</a:t>
             </a:fld>
             <a:endParaRPr kumimoji="1" lang="ja-JP" altLang="en-US"/>
           </a:p>
@@ -2742,7 +2744,7 @@
           <a:p>
             <a:fld id="{22946CDD-378E-A84A-8F0C-B44022576CF0}" type="datetimeFigureOut">
               <a:rPr kumimoji="1" lang="ja-JP" altLang="en-US" smtClean="0"/>
-              <a:t>2019/9/21</a:t>
+              <a:t>2019/9/23</a:t>
             </a:fld>
             <a:endParaRPr kumimoji="1" lang="ja-JP" altLang="en-US"/>
           </a:p>
@@ -2855,7 +2857,7 @@
           <a:p>
             <a:fld id="{22946CDD-378E-A84A-8F0C-B44022576CF0}" type="datetimeFigureOut">
               <a:rPr kumimoji="1" lang="ja-JP" altLang="en-US" smtClean="0"/>
-              <a:t>2019/9/21</a:t>
+              <a:t>2019/9/23</a:t>
             </a:fld>
             <a:endParaRPr kumimoji="1" lang="ja-JP" altLang="en-US"/>
           </a:p>
@@ -2945,7 +2947,7 @@
           <a:p>
             <a:fld id="{22946CDD-378E-A84A-8F0C-B44022576CF0}" type="datetimeFigureOut">
               <a:rPr kumimoji="1" lang="ja-JP" altLang="en-US" smtClean="0"/>
-              <a:t>2019/9/21</a:t>
+              <a:t>2019/9/23</a:t>
             </a:fld>
             <a:endParaRPr kumimoji="1" lang="ja-JP" altLang="en-US"/>
           </a:p>
@@ -3249,7 +3251,7 @@
           <a:p>
             <a:fld id="{22946CDD-378E-A84A-8F0C-B44022576CF0}" type="datetimeFigureOut">
               <a:rPr kumimoji="1" lang="ja-JP" altLang="en-US" smtClean="0"/>
-              <a:t>2019/9/21</a:t>
+              <a:t>2019/9/23</a:t>
             </a:fld>
             <a:endParaRPr kumimoji="1" lang="ja-JP" altLang="en-US"/>
           </a:p>
@@ -3501,7 +3503,7 @@
           <a:p>
             <a:fld id="{22946CDD-378E-A84A-8F0C-B44022576CF0}" type="datetimeFigureOut">
               <a:rPr kumimoji="1" lang="ja-JP" altLang="en-US" smtClean="0"/>
-              <a:t>2019/9/21</a:t>
+              <a:t>2019/9/23</a:t>
             </a:fld>
             <a:endParaRPr kumimoji="1" lang="ja-JP" altLang="en-US"/>
           </a:p>
@@ -3741,7 +3743,7 @@
           <a:p>
             <a:fld id="{22946CDD-378E-A84A-8F0C-B44022576CF0}" type="datetimeFigureOut">
               <a:rPr kumimoji="1" lang="ja-JP" altLang="en-US" smtClean="0"/>
-              <a:t>2019/9/21</a:t>
+              <a:t>2019/9/23</a:t>
             </a:fld>
             <a:endParaRPr kumimoji="1" lang="ja-JP" altLang="en-US"/>
           </a:p>
@@ -4221,26 +4223,13 @@
           <a:lstStyle/>
           <a:p>
             <a:r>
-              <a:rPr lang="ja-JP" altLang="en-US" sz="2800">
+              <a:rPr lang="ja-JP" altLang="en-US" sz="3600">
                 <a:latin typeface="+mj-ea"/>
                 <a:ea typeface="+mj-ea"/>
               </a:rPr>
-              <a:t>新納真次郎</a:t>
-            </a:r>
-            <a:endParaRPr lang="en-US" altLang="ja-JP" sz="2800" dirty="0">
-              <a:latin typeface="+mj-ea"/>
-              <a:ea typeface="+mj-ea"/>
-            </a:endParaRPr>
-          </a:p>
-          <a:p>
-            <a:r>
-              <a:rPr lang="ja-JP" altLang="en-US" sz="2800">
-                <a:latin typeface="+mj-ea"/>
-                <a:ea typeface="+mj-ea"/>
-              </a:rPr>
-              <a:t>（ニート）</a:t>
-            </a:r>
-            <a:endParaRPr kumimoji="1" lang="ja-JP" altLang="en-US" sz="2800" dirty="0">
+              <a:t>新納真次郎（一期生）</a:t>
+            </a:r>
+            <a:endParaRPr lang="en-US" altLang="ja-JP" sz="3600" dirty="0">
               <a:latin typeface="+mj-ea"/>
               <a:ea typeface="+mj-ea"/>
             </a:endParaRPr>
@@ -4321,10 +4310,41 @@
       </p:grpSpPr>
       <p:sp>
         <p:nvSpPr>
-          <p:cNvPr id="2" name="タイトル 1">
+          <p:cNvPr id="2" name="タイトル 1"/>
+          <p:cNvSpPr>
+            <a:spLocks noGrp="1"/>
+          </p:cNvSpPr>
+          <p:nvPr>
+            <p:ph type="title"/>
+          </p:nvPr>
+        </p:nvSpPr>
+        <p:spPr/>
+        <p:txBody>
+          <a:bodyPr/>
+          <a:lstStyle/>
+          <a:p>
+            <a:r>
+              <a:rPr kumimoji="1" lang="ja-JP" altLang="en-US"/>
+              <a:t>最新版</a:t>
+            </a:r>
+            <a:r>
+              <a:rPr kumimoji="1" lang="en-US" altLang="ja-JP" dirty="0" err="1"/>
+              <a:t>Xcode</a:t>
+            </a:r>
+            <a:r>
+              <a:rPr kumimoji="1" lang="ja-JP" altLang="en-US"/>
+              <a:t>を入れよう</a:t>
+            </a:r>
+            <a:endParaRPr kumimoji="1" lang="ja-JP" altLang="en-US" dirty="0"/>
+          </a:p>
+        </p:txBody>
+      </p:sp>
+      <p:sp>
+        <p:nvSpPr>
+          <p:cNvPr id="6" name="コンテンツ プレースホルダー 5">
             <a:extLst>
               <a:ext uri="{FF2B5EF4-FFF2-40B4-BE49-F238E27FC236}">
-                <a16:creationId xmlns:a16="http://schemas.microsoft.com/office/drawing/2014/main" id="{4AAC53AC-3CD0-5940-8128-A5530961F8D8}"/>
+                <a16:creationId xmlns:a16="http://schemas.microsoft.com/office/drawing/2014/main" id="{4BE185DE-47CB-9B47-9692-5D4F9A7EE14C}"/>
               </a:ext>
             </a:extLst>
           </p:cNvPr>
@@ -4332,7 +4352,7 @@
             <a:spLocks noGrp="1"/>
           </p:cNvSpPr>
           <p:nvPr>
-            <p:ph type="title"/>
+            <p:ph idx="1"/>
           </p:nvPr>
         </p:nvSpPr>
         <p:spPr/>
@@ -4340,42 +4360,49 @@
           <a:bodyPr/>
           <a:lstStyle/>
           <a:p>
-            <a:r>
-              <a:rPr kumimoji="1" lang="ja-JP" altLang="en-US" sz="4400"/>
-              <a:t>プロジェクトをつくってみよう</a:t>
-            </a:r>
-          </a:p>
-        </p:txBody>
-      </p:sp>
-      <p:sp>
-        <p:nvSpPr>
-          <p:cNvPr id="3" name="コンテンツ プレースホルダー 2">
+            <a:endParaRPr kumimoji="1" lang="ja-JP" altLang="en-US"/>
+          </a:p>
+        </p:txBody>
+      </p:sp>
+      <p:pic>
+        <p:nvPicPr>
+          <p:cNvPr id="8" name="コンテンツ プレースホルダー 4">
             <a:extLst>
               <a:ext uri="{FF2B5EF4-FFF2-40B4-BE49-F238E27FC236}">
-                <a16:creationId xmlns:a16="http://schemas.microsoft.com/office/drawing/2014/main" id="{C14EB6D0-C02F-5242-94C4-1610DD469250}"/>
+                <a16:creationId xmlns:a16="http://schemas.microsoft.com/office/drawing/2014/main" id="{D4BB3989-B53E-D94A-99E6-9016D4D7E435}"/>
               </a:ext>
             </a:extLst>
           </p:cNvPr>
-          <p:cNvSpPr>
-            <a:spLocks noGrp="1"/>
-          </p:cNvSpPr>
-          <p:nvPr>
-            <p:ph idx="1"/>
-          </p:nvPr>
-        </p:nvSpPr>
-        <p:spPr/>
-        <p:txBody>
-          <a:bodyPr/>
-          <a:lstStyle/>
-          <a:p>
-            <a:endParaRPr kumimoji="1" lang="ja-JP" altLang="en-US"/>
-          </a:p>
-        </p:txBody>
-      </p:sp>
+          <p:cNvPicPr>
+            <a:picLocks noChangeAspect="1"/>
+          </p:cNvPicPr>
+          <p:nvPr/>
+        </p:nvPicPr>
+        <p:blipFill>
+          <a:blip r:embed="rId2"/>
+          <a:stretch>
+            <a:fillRect/>
+          </a:stretch>
+        </p:blipFill>
+        <p:spPr>
+          <a:xfrm>
+            <a:off x="171016" y="2026053"/>
+            <a:ext cx="8741926" cy="4589511"/>
+          </a:xfrm>
+          <a:prstGeom prst="rect">
+            <a:avLst/>
+          </a:prstGeom>
+          <a:solidFill>
+            <a:schemeClr val="bg1">
+              <a:alpha val="26667"/>
+            </a:schemeClr>
+          </a:solidFill>
+        </p:spPr>
+      </p:pic>
     </p:spTree>
     <p:extLst>
       <p:ext uri="{BB962C8B-B14F-4D97-AF65-F5344CB8AC3E}">
-        <p14:creationId xmlns:p14="http://schemas.microsoft.com/office/powerpoint/2010/main" val="602373391"/>
+        <p14:creationId xmlns:p14="http://schemas.microsoft.com/office/powerpoint/2010/main" val="1657461012"/>
       </p:ext>
     </p:extLst>
   </p:cSld>
@@ -4407,6 +4434,295 @@
           <p:cNvPr id="2" name="タイトル 1">
             <a:extLst>
               <a:ext uri="{FF2B5EF4-FFF2-40B4-BE49-F238E27FC236}">
+                <a16:creationId xmlns:a16="http://schemas.microsoft.com/office/drawing/2014/main" id="{4AAC53AC-3CD0-5940-8128-A5530961F8D8}"/>
+              </a:ext>
+            </a:extLst>
+          </p:cNvPr>
+          <p:cNvSpPr>
+            <a:spLocks noGrp="1"/>
+          </p:cNvSpPr>
+          <p:nvPr>
+            <p:ph type="title"/>
+          </p:nvPr>
+        </p:nvSpPr>
+        <p:spPr/>
+        <p:txBody>
+          <a:bodyPr/>
+          <a:lstStyle/>
+          <a:p>
+            <a:r>
+              <a:rPr kumimoji="1" lang="ja-JP" altLang="en-US" sz="4400"/>
+              <a:t>プロジェクトをつくってみよう</a:t>
+            </a:r>
+          </a:p>
+        </p:txBody>
+      </p:sp>
+      <p:sp>
+        <p:nvSpPr>
+          <p:cNvPr id="3" name="コンテンツ プレースホルダー 2">
+            <a:extLst>
+              <a:ext uri="{FF2B5EF4-FFF2-40B4-BE49-F238E27FC236}">
+                <a16:creationId xmlns:a16="http://schemas.microsoft.com/office/drawing/2014/main" id="{C14EB6D0-C02F-5242-94C4-1610DD469250}"/>
+              </a:ext>
+            </a:extLst>
+          </p:cNvPr>
+          <p:cNvSpPr>
+            <a:spLocks noGrp="1"/>
+          </p:cNvSpPr>
+          <p:nvPr>
+            <p:ph idx="1"/>
+          </p:nvPr>
+        </p:nvSpPr>
+        <p:spPr/>
+        <p:txBody>
+          <a:bodyPr/>
+          <a:lstStyle/>
+          <a:p>
+            <a:r>
+              <a:rPr kumimoji="1" lang="ja-JP" altLang="en-US"/>
+              <a:t>デモ</a:t>
+            </a:r>
+          </a:p>
+        </p:txBody>
+      </p:sp>
+    </p:spTree>
+    <p:extLst>
+      <p:ext uri="{BB962C8B-B14F-4D97-AF65-F5344CB8AC3E}">
+        <p14:creationId xmlns:p14="http://schemas.microsoft.com/office/powerpoint/2010/main" val="602373391"/>
+      </p:ext>
+    </p:extLst>
+  </p:cSld>
+  <p:clrMapOvr>
+    <a:masterClrMapping/>
+  </p:clrMapOvr>
+</p:sld>
+</file>
+
+<file path=ppt/slides/slide12.xml><?xml version="1.0" encoding="utf-8"?>
+<p:sld xmlns:a="http://schemas.openxmlformats.org/drawingml/2006/main" xmlns:r="http://schemas.openxmlformats.org/officeDocument/2006/relationships" xmlns:p="http://schemas.openxmlformats.org/presentationml/2006/main">
+  <p:cSld>
+    <p:spTree>
+      <p:nvGrpSpPr>
+        <p:cNvPr id="1" name=""/>
+        <p:cNvGrpSpPr/>
+        <p:nvPr/>
+      </p:nvGrpSpPr>
+      <p:grpSpPr>
+        <a:xfrm>
+          <a:off x="0" y="0"/>
+          <a:ext cx="0" cy="0"/>
+          <a:chOff x="0" y="0"/>
+          <a:chExt cx="0" cy="0"/>
+        </a:xfrm>
+      </p:grpSpPr>
+      <p:sp>
+        <p:nvSpPr>
+          <p:cNvPr id="2" name="タイトル 1">
+            <a:extLst>
+              <a:ext uri="{FF2B5EF4-FFF2-40B4-BE49-F238E27FC236}">
+                <a16:creationId xmlns:a16="http://schemas.microsoft.com/office/drawing/2014/main" id="{4AAC53AC-3CD0-5940-8128-A5530961F8D8}"/>
+              </a:ext>
+            </a:extLst>
+          </p:cNvPr>
+          <p:cNvSpPr>
+            <a:spLocks noGrp="1"/>
+          </p:cNvSpPr>
+          <p:nvPr>
+            <p:ph type="title"/>
+          </p:nvPr>
+        </p:nvSpPr>
+        <p:spPr/>
+        <p:txBody>
+          <a:bodyPr/>
+          <a:lstStyle/>
+          <a:p>
+            <a:r>
+              <a:rPr kumimoji="1" lang="ja-JP" altLang="en-US" sz="4400"/>
+              <a:t>プロジェクトの中身を見てみよう</a:t>
+            </a:r>
+          </a:p>
+        </p:txBody>
+      </p:sp>
+      <p:sp>
+        <p:nvSpPr>
+          <p:cNvPr id="3" name="コンテンツ プレースホルダー 2">
+            <a:extLst>
+              <a:ext uri="{FF2B5EF4-FFF2-40B4-BE49-F238E27FC236}">
+                <a16:creationId xmlns:a16="http://schemas.microsoft.com/office/drawing/2014/main" id="{C14EB6D0-C02F-5242-94C4-1610DD469250}"/>
+              </a:ext>
+            </a:extLst>
+          </p:cNvPr>
+          <p:cNvSpPr>
+            <a:spLocks noGrp="1"/>
+          </p:cNvSpPr>
+          <p:nvPr>
+            <p:ph idx="1"/>
+          </p:nvPr>
+        </p:nvSpPr>
+        <p:spPr/>
+        <p:txBody>
+          <a:bodyPr/>
+          <a:lstStyle/>
+          <a:p>
+            <a:r>
+              <a:rPr lang="en-US" altLang="ja-JP" dirty="0" err="1"/>
+              <a:t>Xcode</a:t>
+            </a:r>
+            <a:r>
+              <a:rPr kumimoji="1" lang="ja-JP" altLang="en-US"/>
+              <a:t>では勝手に白い</a:t>
+            </a:r>
+            <a:r>
+              <a:rPr kumimoji="1" lang="en-US" altLang="ja-JP" dirty="0"/>
+              <a:t>View</a:t>
+            </a:r>
+            <a:r>
+              <a:rPr kumimoji="1" lang="ja-JP" altLang="en-US"/>
+              <a:t>が表示されところまで作ってくれます</a:t>
+            </a:r>
+            <a:endParaRPr kumimoji="1" lang="en-US" altLang="ja-JP" dirty="0"/>
+          </a:p>
+          <a:p>
+            <a:pPr lvl="1"/>
+            <a:r>
+              <a:rPr lang="en-US" altLang="ja-JP" dirty="0" err="1"/>
+              <a:t>AppDelegate.swift</a:t>
+            </a:r>
+            <a:endParaRPr lang="en-US" altLang="ja-JP" dirty="0"/>
+          </a:p>
+          <a:p>
+            <a:pPr marL="446400" lvl="2" indent="0">
+              <a:buNone/>
+            </a:pPr>
+            <a:r>
+              <a:rPr kumimoji="1" lang="en-US" altLang="ja-JP" sz="2000" dirty="0"/>
+              <a:t>	</a:t>
+            </a:r>
+            <a:r>
+              <a:rPr kumimoji="1" lang="ja-JP" altLang="en-US" sz="2000"/>
+              <a:t>アプリ全体における処理を記述したファイル</a:t>
+            </a:r>
+            <a:endParaRPr kumimoji="1" lang="en-US" altLang="ja-JP" sz="2000" dirty="0"/>
+          </a:p>
+          <a:p>
+            <a:pPr lvl="1"/>
+            <a:r>
+              <a:rPr lang="en-US" altLang="ja-JP" dirty="0" err="1"/>
+              <a:t>ViewController.swift</a:t>
+            </a:r>
+            <a:endParaRPr lang="en-US" altLang="ja-JP" dirty="0"/>
+          </a:p>
+          <a:p>
+            <a:pPr marL="446400" lvl="2" indent="0">
+              <a:buNone/>
+            </a:pPr>
+            <a:r>
+              <a:rPr lang="en-US" altLang="ja-JP" dirty="0"/>
+              <a:t>	</a:t>
+            </a:r>
+            <a:r>
+              <a:rPr lang="ja-JP" altLang="en-US" sz="2000"/>
+              <a:t>白い</a:t>
+            </a:r>
+            <a:r>
+              <a:rPr lang="en-US" altLang="ja-JP" sz="2000" dirty="0"/>
+              <a:t>View</a:t>
+            </a:r>
+            <a:r>
+              <a:rPr lang="ja-JP" altLang="en-US" sz="2000"/>
+              <a:t>における処理を記述したファイル</a:t>
+            </a:r>
+            <a:endParaRPr lang="en-US" altLang="ja-JP" sz="2000" dirty="0"/>
+          </a:p>
+          <a:p>
+            <a:pPr lvl="1"/>
+            <a:r>
+              <a:rPr lang="en-US" altLang="ja-JP" dirty="0" err="1"/>
+              <a:t>Main.storyboard</a:t>
+            </a:r>
+            <a:endParaRPr lang="en-US" altLang="ja-JP" dirty="0"/>
+          </a:p>
+          <a:p>
+            <a:pPr marL="446400" lvl="2" indent="0">
+              <a:buNone/>
+            </a:pPr>
+            <a:r>
+              <a:rPr lang="en-US" altLang="ja-JP" sz="2000" dirty="0"/>
+              <a:t>	UI</a:t>
+            </a:r>
+            <a:r>
+              <a:rPr lang="ja-JP" altLang="en-US" sz="2000"/>
+              <a:t>を</a:t>
+            </a:r>
+            <a:r>
+              <a:rPr lang="en-US" altLang="ja-JP" sz="2000" dirty="0"/>
+              <a:t>GUI</a:t>
+            </a:r>
+            <a:r>
+              <a:rPr lang="ja-JP" altLang="en-US" sz="2000"/>
+              <a:t>で設定できるファイル</a:t>
+            </a:r>
+            <a:endParaRPr lang="en-US" altLang="ja-JP" sz="2000" dirty="0"/>
+          </a:p>
+          <a:p>
+            <a:pPr lvl="1"/>
+            <a:r>
+              <a:rPr lang="en-US" altLang="ja-JP" dirty="0" err="1"/>
+              <a:t>Info.plist</a:t>
+            </a:r>
+            <a:endParaRPr lang="en-US" altLang="ja-JP" dirty="0"/>
+          </a:p>
+          <a:p>
+            <a:pPr marL="446400" lvl="2" indent="0">
+              <a:buNone/>
+            </a:pPr>
+            <a:r>
+              <a:rPr lang="en-US" altLang="ja-JP" sz="2000" dirty="0"/>
+              <a:t>	</a:t>
+            </a:r>
+            <a:r>
+              <a:rPr lang="ja-JP" altLang="en-US" sz="2000"/>
+              <a:t>設定ファイル（権限とか）</a:t>
+            </a:r>
+            <a:endParaRPr lang="en-US" altLang="ja-JP" dirty="0"/>
+          </a:p>
+        </p:txBody>
+      </p:sp>
+    </p:spTree>
+    <p:extLst>
+      <p:ext uri="{BB962C8B-B14F-4D97-AF65-F5344CB8AC3E}">
+        <p14:creationId xmlns:p14="http://schemas.microsoft.com/office/powerpoint/2010/main" val="3122885428"/>
+      </p:ext>
+    </p:extLst>
+  </p:cSld>
+  <p:clrMapOvr>
+    <a:masterClrMapping/>
+  </p:clrMapOvr>
+</p:sld>
+</file>
+
+<file path=ppt/slides/slide13.xml><?xml version="1.0" encoding="utf-8"?>
+<p:sld xmlns:a="http://schemas.openxmlformats.org/drawingml/2006/main" xmlns:r="http://schemas.openxmlformats.org/officeDocument/2006/relationships" xmlns:p="http://schemas.openxmlformats.org/presentationml/2006/main">
+  <p:cSld>
+    <p:spTree>
+      <p:nvGrpSpPr>
+        <p:cNvPr id="1" name=""/>
+        <p:cNvGrpSpPr/>
+        <p:nvPr/>
+      </p:nvGrpSpPr>
+      <p:grpSpPr>
+        <a:xfrm>
+          <a:off x="0" y="0"/>
+          <a:ext cx="0" cy="0"/>
+          <a:chOff x="0" y="0"/>
+          <a:chExt cx="0" cy="0"/>
+        </a:xfrm>
+      </p:grpSpPr>
+      <p:sp>
+        <p:nvSpPr>
+          <p:cNvPr id="2" name="タイトル 1">
+            <a:extLst>
+              <a:ext uri="{FF2B5EF4-FFF2-40B4-BE49-F238E27FC236}">
                 <a16:creationId xmlns:a16="http://schemas.microsoft.com/office/drawing/2014/main" id="{301D59DB-4DFF-414E-8140-D4C4F56E2C74}"/>
               </a:ext>
             </a:extLst>
@@ -4424,8 +4740,16 @@
           <a:lstStyle/>
           <a:p>
             <a:r>
-              <a:rPr kumimoji="1" lang="en-US" altLang="ja-JP"/>
+              <a:rPr kumimoji="1" lang="en-US" altLang="ja-JP" dirty="0"/>
               <a:t>Hello World</a:t>
+            </a:r>
+            <a:r>
+              <a:rPr lang="en-US" altLang="ja-JP" dirty="0"/>
+              <a:t> </a:t>
+            </a:r>
+            <a:r>
+              <a:rPr lang="ja-JP" altLang="en-US"/>
+              <a:t>してみよう</a:t>
             </a:r>
             <a:endParaRPr kumimoji="1" lang="ja-JP" altLang="en-US"/>
           </a:p>
@@ -4452,7 +4776,56 @@
           <a:bodyPr/>
           <a:lstStyle/>
           <a:p>
-            <a:endParaRPr kumimoji="1" lang="ja-JP" altLang="en-US"/>
+            <a:r>
+              <a:rPr kumimoji="1" lang="en-US" altLang="ja-JP" dirty="0" err="1"/>
+              <a:t>viewDidLoad</a:t>
+            </a:r>
+            <a:r>
+              <a:rPr kumimoji="1" lang="en-US" altLang="ja-JP" dirty="0"/>
+              <a:t>()</a:t>
+            </a:r>
+          </a:p>
+          <a:p>
+            <a:pPr lvl="1"/>
+            <a:r>
+              <a:rPr kumimoji="1" lang="en-US" altLang="ja-JP" dirty="0"/>
+              <a:t>View</a:t>
+            </a:r>
+            <a:r>
+              <a:rPr kumimoji="1" lang="ja-JP" altLang="en-US"/>
+              <a:t>が呼ばれたタイミングで行う処理を記述</a:t>
+            </a:r>
+            <a:endParaRPr kumimoji="1" lang="en-US" altLang="ja-JP" dirty="0"/>
+          </a:p>
+          <a:p>
+            <a:pPr lvl="1"/>
+            <a:endParaRPr kumimoji="1" lang="en-US" altLang="ja-JP" dirty="0"/>
+          </a:p>
+          <a:p>
+            <a:r>
+              <a:rPr lang="en-US" altLang="ja-JP" dirty="0"/>
+              <a:t>p</a:t>
+            </a:r>
+            <a:r>
+              <a:rPr kumimoji="1" lang="en-US" altLang="ja-JP" dirty="0"/>
+              <a:t>rint(text :</a:t>
+            </a:r>
+            <a:r>
+              <a:rPr kumimoji="1" lang="en-US" altLang="ja-JP" dirty="0">
+                <a:solidFill>
+                  <a:schemeClr val="accent6"/>
+                </a:solidFill>
+              </a:rPr>
+              <a:t>String</a:t>
+            </a:r>
+            <a:r>
+              <a:rPr kumimoji="1" lang="en-US" altLang="ja-JP" dirty="0"/>
+              <a:t>)</a:t>
+            </a:r>
+            <a:r>
+              <a:rPr kumimoji="1" lang="ja-JP" altLang="en-US"/>
+              <a:t>でコンソールに出力</a:t>
+            </a:r>
           </a:p>
         </p:txBody>
       </p:sp>
@@ -4729,7 +5102,19 @@
               <a:rPr lang="ja-JP" altLang="en-US"/>
               <a:t>しよう</a:t>
             </a:r>
-            <a:endParaRPr kumimoji="1" lang="en-US" altLang="ja-JP" dirty="0"/>
+            <a:r>
+              <a:rPr lang="ja-JP" altLang="en-US" sz="2000"/>
+              <a:t>（今日の</a:t>
+            </a:r>
+            <a:r>
+              <a:rPr lang="en-US" altLang="ja-JP" sz="2000" dirty="0"/>
+              <a:t>Swift</a:t>
+            </a:r>
+            <a:r>
+              <a:rPr lang="ja-JP" altLang="en-US" sz="2000"/>
+              <a:t>要素はここだけ）</a:t>
+            </a:r>
+            <a:endParaRPr kumimoji="1" lang="en-US" altLang="ja-JP" sz="2000" dirty="0"/>
           </a:p>
         </p:txBody>
       </p:sp>
@@ -5472,41 +5857,10 @@
       </p:grpSpPr>
       <p:sp>
         <p:nvSpPr>
-          <p:cNvPr id="2" name="タイトル 1"/>
-          <p:cNvSpPr>
-            <a:spLocks noGrp="1"/>
-          </p:cNvSpPr>
-          <p:nvPr>
-            <p:ph type="title"/>
-          </p:nvPr>
-        </p:nvSpPr>
-        <p:spPr/>
-        <p:txBody>
-          <a:bodyPr/>
-          <a:lstStyle/>
-          <a:p>
-            <a:r>
-              <a:rPr kumimoji="1" lang="ja-JP" altLang="en-US"/>
-              <a:t>最新版</a:t>
-            </a:r>
-            <a:r>
-              <a:rPr kumimoji="1" lang="en-US" altLang="ja-JP" dirty="0" err="1"/>
-              <a:t>Xcode</a:t>
-            </a:r>
-            <a:r>
-              <a:rPr kumimoji="1" lang="ja-JP" altLang="en-US"/>
-              <a:t>を入れよう</a:t>
-            </a:r>
-            <a:endParaRPr kumimoji="1" lang="ja-JP" altLang="en-US" dirty="0"/>
-          </a:p>
-        </p:txBody>
-      </p:sp>
-      <p:sp>
-        <p:nvSpPr>
-          <p:cNvPr id="6" name="コンテンツ プレースホルダー 5">
+          <p:cNvPr id="2" name="タイトル 1">
             <a:extLst>
               <a:ext uri="{FF2B5EF4-FFF2-40B4-BE49-F238E27FC236}">
-                <a16:creationId xmlns:a16="http://schemas.microsoft.com/office/drawing/2014/main" id="{4BE185DE-47CB-9B47-9692-5D4F9A7EE14C}"/>
+                <a16:creationId xmlns:a16="http://schemas.microsoft.com/office/drawing/2014/main" id="{0A0236A4-4229-9B4D-8128-BFD547E93BED}"/>
               </a:ext>
             </a:extLst>
           </p:cNvPr>
@@ -5514,7 +5868,7 @@
             <a:spLocks noGrp="1"/>
           </p:cNvSpPr>
           <p:nvPr>
-            <p:ph idx="1"/>
+            <p:ph type="title"/>
           </p:nvPr>
         </p:nvSpPr>
         <p:spPr/>
@@ -5522,49 +5876,90 @@
           <a:bodyPr/>
           <a:lstStyle/>
           <a:p>
+            <a:r>
+              <a:rPr lang="ja-JP" altLang="en-US"/>
+              <a:t>余談：</a:t>
+            </a:r>
+            <a:r>
+              <a:rPr lang="en-US" altLang="ja-JP" sz="4000" dirty="0"/>
+              <a:t>git-flow</a:t>
+            </a:r>
+            <a:r>
+              <a:rPr lang="ja-JP" altLang="en-US" sz="4000"/>
+              <a:t>と</a:t>
+            </a:r>
+            <a:r>
+              <a:rPr lang="en-US" altLang="ja-JP" sz="4000" dirty="0" err="1"/>
+              <a:t>github</a:t>
+            </a:r>
+            <a:r>
+              <a:rPr lang="en-US" altLang="ja-JP" sz="4000" dirty="0"/>
+              <a:t>-flow</a:t>
+            </a:r>
             <a:endParaRPr kumimoji="1" lang="ja-JP" altLang="en-US"/>
           </a:p>
         </p:txBody>
       </p:sp>
-      <p:pic>
-        <p:nvPicPr>
-          <p:cNvPr id="8" name="コンテンツ プレースホルダー 4">
+      <p:sp>
+        <p:nvSpPr>
+          <p:cNvPr id="3" name="コンテンツ プレースホルダー 2">
             <a:extLst>
               <a:ext uri="{FF2B5EF4-FFF2-40B4-BE49-F238E27FC236}">
-                <a16:creationId xmlns:a16="http://schemas.microsoft.com/office/drawing/2014/main" id="{D4BB3989-B53E-D94A-99E6-9016D4D7E435}"/>
+                <a16:creationId xmlns:a16="http://schemas.microsoft.com/office/drawing/2014/main" id="{322A502E-8375-8747-835F-1223E2F4ED6F}"/>
               </a:ext>
             </a:extLst>
           </p:cNvPr>
-          <p:cNvPicPr>
-            <a:picLocks noChangeAspect="1"/>
-          </p:cNvPicPr>
-          <p:nvPr/>
-        </p:nvPicPr>
-        <p:blipFill>
-          <a:blip r:embed="rId2"/>
-          <a:stretch>
-            <a:fillRect/>
-          </a:stretch>
-        </p:blipFill>
-        <p:spPr>
-          <a:xfrm>
-            <a:off x="171016" y="2026053"/>
-            <a:ext cx="8741926" cy="4589511"/>
-          </a:xfrm>
-          <a:prstGeom prst="rect">
-            <a:avLst/>
-          </a:prstGeom>
-          <a:solidFill>
-            <a:schemeClr val="bg1">
-              <a:alpha val="26667"/>
-            </a:schemeClr>
-          </a:solidFill>
-        </p:spPr>
-      </p:pic>
+          <p:cNvSpPr>
+            <a:spLocks noGrp="1"/>
+          </p:cNvSpPr>
+          <p:nvPr>
+            <p:ph idx="1"/>
+          </p:nvPr>
+        </p:nvSpPr>
+        <p:spPr/>
+        <p:txBody>
+          <a:bodyPr/>
+          <a:lstStyle/>
+          <a:p>
+            <a:r>
+              <a:rPr lang="en-US" altLang="ja-JP" dirty="0"/>
+              <a:t>git-flow</a:t>
+            </a:r>
+          </a:p>
+          <a:p>
+            <a:pPr lvl="1"/>
+            <a:r>
+              <a:rPr lang="en-US" altLang="ja-JP" dirty="0"/>
+              <a:t>master</a:t>
+            </a:r>
+          </a:p>
+          <a:p>
+            <a:pPr lvl="1"/>
+            <a:r>
+              <a:rPr lang="en-US" altLang="ja-JP" dirty="0"/>
+              <a:t>develop</a:t>
+            </a:r>
+          </a:p>
+          <a:p>
+            <a:pPr lvl="1"/>
+            <a:r>
+              <a:rPr lang="en-US" altLang="ja-JP" dirty="0"/>
+              <a:t>feature/XXXXX</a:t>
+            </a:r>
+          </a:p>
+          <a:p>
+            <a:pPr lvl="1"/>
+            <a:endParaRPr lang="en-US" altLang="ja-JP" dirty="0"/>
+          </a:p>
+          <a:p>
+            <a:endParaRPr kumimoji="1" lang="ja-JP" altLang="en-US"/>
+          </a:p>
+        </p:txBody>
+      </p:sp>
     </p:spTree>
     <p:extLst>
       <p:ext uri="{BB962C8B-B14F-4D97-AF65-F5344CB8AC3E}">
-        <p14:creationId xmlns:p14="http://schemas.microsoft.com/office/powerpoint/2010/main" val="1657461012"/>
+        <p14:creationId xmlns:p14="http://schemas.microsoft.com/office/powerpoint/2010/main" val="2341649904"/>
       </p:ext>
     </p:extLst>
   </p:cSld>

--- a/第一回/第一回資料.pptx
+++ b/第一回/第一回資料.pptx
@@ -5,10 +5,10 @@
     <p:sldMasterId id="2147483660" r:id="rId1"/>
   </p:sldMasterIdLst>
   <p:notesMasterIdLst>
-    <p:notesMasterId r:id="rId15"/>
+    <p:notesMasterId r:id="rId19"/>
   </p:notesMasterIdLst>
   <p:handoutMasterIdLst>
-    <p:handoutMasterId r:id="rId16"/>
+    <p:handoutMasterId r:id="rId20"/>
   </p:handoutMasterIdLst>
   <p:sldIdLst>
     <p:sldId id="296" r:id="rId2"/>
@@ -22,8 +22,12 @@
     <p:sldId id="316" r:id="rId10"/>
     <p:sldId id="257" r:id="rId11"/>
     <p:sldId id="314" r:id="rId12"/>
-    <p:sldId id="317" r:id="rId13"/>
-    <p:sldId id="315" r:id="rId14"/>
+    <p:sldId id="319" r:id="rId13"/>
+    <p:sldId id="317" r:id="rId14"/>
+    <p:sldId id="315" r:id="rId15"/>
+    <p:sldId id="318" r:id="rId16"/>
+    <p:sldId id="320" r:id="rId17"/>
+    <p:sldId id="321" r:id="rId18"/>
   </p:sldIdLst>
   <p:sldSz cx="9144000" cy="6858000" type="screen4x3"/>
   <p:notesSz cx="6858000" cy="9144000"/>
@@ -227,7 +231,7 @@
           <a:p>
             <a:fld id="{AA22101E-728B-184D-A501-564ACA79EF3F}" type="datetimeFigureOut">
               <a:rPr kumimoji="1" lang="ja-JP" altLang="en-US" smtClean="0"/>
-              <a:t>2019/9/23</a:t>
+              <a:t>2019/10/4</a:t>
             </a:fld>
             <a:endParaRPr kumimoji="1" lang="ja-JP" altLang="en-US"/>
           </a:p>
@@ -404,7 +408,7 @@
           <a:p>
             <a:fld id="{43A4CDF4-08BC-8A4A-A816-FA326C9398D5}" type="datetimeFigureOut">
               <a:rPr kumimoji="1" lang="ja-JP" altLang="en-US" smtClean="0"/>
-              <a:t>2019/9/23</a:t>
+              <a:t>2019/10/4</a:t>
             </a:fld>
             <a:endParaRPr kumimoji="1" lang="ja-JP" altLang="en-US"/>
           </a:p>
@@ -703,6 +707,90 @@
 </p:notesMaster>
 </file>
 
+<file path=ppt/notesSlides/notesSlide1.xml><?xml version="1.0" encoding="utf-8"?>
+<p:notes xmlns:a="http://schemas.openxmlformats.org/drawingml/2006/main" xmlns:r="http://schemas.openxmlformats.org/officeDocument/2006/relationships" xmlns:p="http://schemas.openxmlformats.org/presentationml/2006/main">
+  <p:cSld>
+    <p:spTree>
+      <p:nvGrpSpPr>
+        <p:cNvPr id="1" name=""/>
+        <p:cNvGrpSpPr/>
+        <p:nvPr/>
+      </p:nvGrpSpPr>
+      <p:grpSpPr>
+        <a:xfrm>
+          <a:off x="0" y="0"/>
+          <a:ext cx="0" cy="0"/>
+          <a:chOff x="0" y="0"/>
+          <a:chExt cx="0" cy="0"/>
+        </a:xfrm>
+      </p:grpSpPr>
+      <p:sp>
+        <p:nvSpPr>
+          <p:cNvPr id="2" name="スライド イメージ プレースホルダー 1"/>
+          <p:cNvSpPr>
+            <a:spLocks noGrp="1" noRot="1" noChangeAspect="1"/>
+          </p:cNvSpPr>
+          <p:nvPr>
+            <p:ph type="sldImg"/>
+          </p:nvPr>
+        </p:nvSpPr>
+        <p:spPr/>
+      </p:sp>
+      <p:sp>
+        <p:nvSpPr>
+          <p:cNvPr id="3" name="ノート プレースホルダー 2"/>
+          <p:cNvSpPr>
+            <a:spLocks noGrp="1"/>
+          </p:cNvSpPr>
+          <p:nvPr>
+            <p:ph type="body" idx="1"/>
+          </p:nvPr>
+        </p:nvSpPr>
+        <p:spPr/>
+        <p:txBody>
+          <a:bodyPr/>
+          <a:lstStyle/>
+          <a:p>
+            <a:endParaRPr kumimoji="1" lang="ja-JP" altLang="en-US"/>
+          </a:p>
+        </p:txBody>
+      </p:sp>
+      <p:sp>
+        <p:nvSpPr>
+          <p:cNvPr id="4" name="スライド番号プレースホルダー 3"/>
+          <p:cNvSpPr>
+            <a:spLocks noGrp="1"/>
+          </p:cNvSpPr>
+          <p:nvPr>
+            <p:ph type="sldNum" sz="quarter" idx="5"/>
+          </p:nvPr>
+        </p:nvSpPr>
+        <p:spPr/>
+        <p:txBody>
+          <a:bodyPr/>
+          <a:lstStyle/>
+          <a:p>
+            <a:fld id="{4B762F09-FA86-874E-8BF1-86504585DB10}" type="slidenum">
+              <a:rPr kumimoji="1" lang="ja-JP" altLang="en-US" smtClean="0"/>
+              <a:t>17</a:t>
+            </a:fld>
+            <a:endParaRPr kumimoji="1" lang="ja-JP" altLang="en-US"/>
+          </a:p>
+        </p:txBody>
+      </p:sp>
+    </p:spTree>
+    <p:extLst>
+      <p:ext uri="{BB962C8B-B14F-4D97-AF65-F5344CB8AC3E}">
+        <p14:creationId xmlns:p14="http://schemas.microsoft.com/office/powerpoint/2010/main" val="3540074250"/>
+      </p:ext>
+    </p:extLst>
+  </p:cSld>
+  <p:clrMapOvr>
+    <a:masterClrMapping/>
+  </p:clrMapOvr>
+</p:notes>
+</file>
+
 <file path=ppt/slideLayouts/slideLayout1.xml><?xml version="1.0" encoding="utf-8"?>
 <p:sldLayout xmlns:a="http://schemas.openxmlformats.org/drawingml/2006/main" xmlns:r="http://schemas.openxmlformats.org/officeDocument/2006/relationships" xmlns:p="http://schemas.openxmlformats.org/presentationml/2006/main" type="title" preserve="1">
   <p:cSld name="タイトル スライド">
@@ -900,7 +988,7 @@
           <a:p>
             <a:fld id="{22946CDD-378E-A84A-8F0C-B44022576CF0}" type="datetimeFigureOut">
               <a:rPr kumimoji="1" lang="ja-JP" altLang="en-US" smtClean="0"/>
-              <a:t>2019/9/23</a:t>
+              <a:t>2019/10/4</a:t>
             </a:fld>
             <a:endParaRPr kumimoji="1" lang="ja-JP" altLang="en-US"/>
           </a:p>
@@ -1097,7 +1185,7 @@
           <a:p>
             <a:fld id="{22946CDD-378E-A84A-8F0C-B44022576CF0}" type="datetimeFigureOut">
               <a:rPr kumimoji="1" lang="ja-JP" altLang="en-US" smtClean="0"/>
-              <a:t>2019/9/23</a:t>
+              <a:t>2019/10/4</a:t>
             </a:fld>
             <a:endParaRPr kumimoji="1" lang="ja-JP" altLang="en-US"/>
           </a:p>
@@ -1304,7 +1392,7 @@
           <a:p>
             <a:fld id="{22946CDD-378E-A84A-8F0C-B44022576CF0}" type="datetimeFigureOut">
               <a:rPr kumimoji="1" lang="ja-JP" altLang="en-US" smtClean="0"/>
-              <a:t>2019/9/23</a:t>
+              <a:t>2019/10/4</a:t>
             </a:fld>
             <a:endParaRPr kumimoji="1" lang="ja-JP" altLang="en-US"/>
           </a:p>
@@ -1685,7 +1773,7 @@
           <a:p>
             <a:fld id="{22946CDD-378E-A84A-8F0C-B44022576CF0}" type="datetimeFigureOut">
               <a:rPr kumimoji="1" lang="ja-JP" altLang="en-US" smtClean="0"/>
-              <a:t>2019/9/23</a:t>
+              <a:t>2019/10/4</a:t>
             </a:fld>
             <a:endParaRPr kumimoji="1" lang="ja-JP" altLang="en-US"/>
           </a:p>
@@ -2027,7 +2115,7 @@
           <a:p>
             <a:fld id="{22946CDD-378E-A84A-8F0C-B44022576CF0}" type="datetimeFigureOut">
               <a:rPr kumimoji="1" lang="ja-JP" altLang="en-US" smtClean="0"/>
-              <a:t>2019/9/23</a:t>
+              <a:t>2019/10/4</a:t>
             </a:fld>
             <a:endParaRPr kumimoji="1" lang="ja-JP" altLang="en-US"/>
           </a:p>
@@ -2318,7 +2406,7 @@
           <a:p>
             <a:fld id="{22946CDD-378E-A84A-8F0C-B44022576CF0}" type="datetimeFigureOut">
               <a:rPr kumimoji="1" lang="ja-JP" altLang="en-US" smtClean="0"/>
-              <a:t>2019/9/23</a:t>
+              <a:t>2019/10/4</a:t>
             </a:fld>
             <a:endParaRPr kumimoji="1" lang="ja-JP" altLang="en-US"/>
           </a:p>
@@ -2744,7 +2832,7 @@
           <a:p>
             <a:fld id="{22946CDD-378E-A84A-8F0C-B44022576CF0}" type="datetimeFigureOut">
               <a:rPr kumimoji="1" lang="ja-JP" altLang="en-US" smtClean="0"/>
-              <a:t>2019/9/23</a:t>
+              <a:t>2019/10/4</a:t>
             </a:fld>
             <a:endParaRPr kumimoji="1" lang="ja-JP" altLang="en-US"/>
           </a:p>
@@ -2857,7 +2945,7 @@
           <a:p>
             <a:fld id="{22946CDD-378E-A84A-8F0C-B44022576CF0}" type="datetimeFigureOut">
               <a:rPr kumimoji="1" lang="ja-JP" altLang="en-US" smtClean="0"/>
-              <a:t>2019/9/23</a:t>
+              <a:t>2019/10/4</a:t>
             </a:fld>
             <a:endParaRPr kumimoji="1" lang="ja-JP" altLang="en-US"/>
           </a:p>
@@ -2947,7 +3035,7 @@
           <a:p>
             <a:fld id="{22946CDD-378E-A84A-8F0C-B44022576CF0}" type="datetimeFigureOut">
               <a:rPr kumimoji="1" lang="ja-JP" altLang="en-US" smtClean="0"/>
-              <a:t>2019/9/23</a:t>
+              <a:t>2019/10/4</a:t>
             </a:fld>
             <a:endParaRPr kumimoji="1" lang="ja-JP" altLang="en-US"/>
           </a:p>
@@ -3251,7 +3339,7 @@
           <a:p>
             <a:fld id="{22946CDD-378E-A84A-8F0C-B44022576CF0}" type="datetimeFigureOut">
               <a:rPr kumimoji="1" lang="ja-JP" altLang="en-US" smtClean="0"/>
-              <a:t>2019/9/23</a:t>
+              <a:t>2019/10/4</a:t>
             </a:fld>
             <a:endParaRPr kumimoji="1" lang="ja-JP" altLang="en-US"/>
           </a:p>
@@ -3503,7 +3591,7 @@
           <a:p>
             <a:fld id="{22946CDD-378E-A84A-8F0C-B44022576CF0}" type="datetimeFigureOut">
               <a:rPr kumimoji="1" lang="ja-JP" altLang="en-US" smtClean="0"/>
-              <a:t>2019/9/23</a:t>
+              <a:t>2019/10/4</a:t>
             </a:fld>
             <a:endParaRPr kumimoji="1" lang="ja-JP" altLang="en-US"/>
           </a:p>
@@ -3743,7 +3831,7 @@
           <a:p>
             <a:fld id="{22946CDD-378E-A84A-8F0C-B44022576CF0}" type="datetimeFigureOut">
               <a:rPr kumimoji="1" lang="ja-JP" altLang="en-US" smtClean="0"/>
-              <a:t>2019/9/23</a:t>
+              <a:t>2019/10/4</a:t>
             </a:fld>
             <a:endParaRPr kumimoji="1" lang="ja-JP" altLang="en-US"/>
           </a:p>
@@ -4485,6 +4573,36 @@
           </a:p>
         </p:txBody>
       </p:sp>
+      <p:pic>
+        <p:nvPicPr>
+          <p:cNvPr id="4" name="図 3">
+            <a:extLst>
+              <a:ext uri="{FF2B5EF4-FFF2-40B4-BE49-F238E27FC236}">
+                <a16:creationId xmlns:a16="http://schemas.microsoft.com/office/drawing/2014/main" id="{932C1D13-4C31-C048-A05C-3B39A4C1E35D}"/>
+              </a:ext>
+            </a:extLst>
+          </p:cNvPr>
+          <p:cNvPicPr>
+            <a:picLocks noChangeAspect="1"/>
+          </p:cNvPicPr>
+          <p:nvPr/>
+        </p:nvPicPr>
+        <p:blipFill>
+          <a:blip r:embed="rId2"/>
+          <a:stretch>
+            <a:fillRect/>
+          </a:stretch>
+        </p:blipFill>
+        <p:spPr>
+          <a:xfrm>
+            <a:off x="1823877" y="2328593"/>
+            <a:ext cx="7009792" cy="4115749"/>
+          </a:xfrm>
+          <a:prstGeom prst="rect">
+            <a:avLst/>
+          </a:prstGeom>
+        </p:spPr>
+      </p:pic>
     </p:spTree>
     <p:extLst>
       <p:ext uri="{BB962C8B-B14F-4D97-AF65-F5344CB8AC3E}">
@@ -4520,7 +4638,7 @@
           <p:cNvPr id="2" name="タイトル 1">
             <a:extLst>
               <a:ext uri="{FF2B5EF4-FFF2-40B4-BE49-F238E27FC236}">
-                <a16:creationId xmlns:a16="http://schemas.microsoft.com/office/drawing/2014/main" id="{4AAC53AC-3CD0-5940-8128-A5530961F8D8}"/>
+                <a16:creationId xmlns:a16="http://schemas.microsoft.com/office/drawing/2014/main" id="{3CB0AAEF-B8C3-F548-B4FF-A14032B3D76A}"/>
               </a:ext>
             </a:extLst>
           </p:cNvPr>
@@ -4531,14 +4649,23 @@
             <p:ph type="title"/>
           </p:nvPr>
         </p:nvSpPr>
-        <p:spPr/>
+        <p:spPr>
+          <a:xfrm>
+            <a:off x="231058" y="234924"/>
+            <a:ext cx="8681884" cy="1074303"/>
+          </a:xfrm>
+        </p:spPr>
         <p:txBody>
           <a:bodyPr/>
           <a:lstStyle/>
           <a:p>
             <a:r>
-              <a:rPr kumimoji="1" lang="ja-JP" altLang="en-US" sz="4400"/>
-              <a:t>プロジェクトの中身を見てみよう</a:t>
+              <a:rPr lang="ja-JP" altLang="en-US" sz="4000"/>
+              <a:t>シミュレーターで</a:t>
+            </a:r>
+            <a:r>
+              <a:rPr kumimoji="1" lang="ja-JP" altLang="en-US" sz="4000"/>
+              <a:t>ビルドしてみよう</a:t>
             </a:r>
           </a:p>
         </p:txBody>
@@ -4548,7 +4675,7 @@
           <p:cNvPr id="3" name="コンテンツ プレースホルダー 2">
             <a:extLst>
               <a:ext uri="{FF2B5EF4-FFF2-40B4-BE49-F238E27FC236}">
-                <a16:creationId xmlns:a16="http://schemas.microsoft.com/office/drawing/2014/main" id="{C14EB6D0-C02F-5242-94C4-1610DD469250}"/>
+                <a16:creationId xmlns:a16="http://schemas.microsoft.com/office/drawing/2014/main" id="{5EC07703-69CE-DC46-BA04-BAC5E36087B8}"/>
               </a:ext>
             </a:extLst>
           </p:cNvPr>
@@ -4565,133 +4692,46 @@
           <a:lstStyle/>
           <a:p>
             <a:r>
-              <a:rPr lang="en-US" altLang="ja-JP" dirty="0" err="1"/>
-              <a:t>Xcode</a:t>
-            </a:r>
-            <a:r>
               <a:rPr kumimoji="1" lang="ja-JP" altLang="en-US"/>
-              <a:t>では勝手に白い</a:t>
-            </a:r>
-            <a:r>
-              <a:rPr kumimoji="1" lang="en-US" altLang="ja-JP" dirty="0"/>
-              <a:t>View</a:t>
-            </a:r>
-            <a:r>
-              <a:rPr kumimoji="1" lang="ja-JP" altLang="en-US"/>
-              <a:t>が表示されところまで作ってくれます</a:t>
-            </a:r>
-            <a:endParaRPr kumimoji="1" lang="en-US" altLang="ja-JP" dirty="0"/>
-          </a:p>
-          <a:p>
-            <a:pPr lvl="1"/>
-            <a:r>
-              <a:rPr lang="en-US" altLang="ja-JP" dirty="0" err="1"/>
-              <a:t>AppDelegate.swift</a:t>
-            </a:r>
-            <a:endParaRPr lang="en-US" altLang="ja-JP" dirty="0"/>
-          </a:p>
-          <a:p>
-            <a:pPr marL="446400" lvl="2" indent="0">
-              <a:buNone/>
-            </a:pPr>
-            <a:r>
-              <a:rPr kumimoji="1" lang="en-US" altLang="ja-JP" sz="2000" dirty="0"/>
-              <a:t>	</a:t>
-            </a:r>
-            <a:r>
-              <a:rPr kumimoji="1" lang="ja-JP" altLang="en-US" sz="2000"/>
-              <a:t>アプリ全体における処理を記述したファイル</a:t>
-            </a:r>
-            <a:endParaRPr kumimoji="1" lang="en-US" altLang="ja-JP" sz="2000" dirty="0"/>
-          </a:p>
-          <a:p>
-            <a:pPr lvl="1"/>
-            <a:r>
-              <a:rPr lang="en-US" altLang="ja-JP" dirty="0" err="1"/>
-              <a:t>ViewController.swift</a:t>
-            </a:r>
-            <a:endParaRPr lang="en-US" altLang="ja-JP" dirty="0"/>
-          </a:p>
-          <a:p>
-            <a:pPr marL="446400" lvl="2" indent="0">
-              <a:buNone/>
-            </a:pPr>
-            <a:r>
-              <a:rPr lang="en-US" altLang="ja-JP" dirty="0"/>
-              <a:t>	</a:t>
-            </a:r>
-            <a:r>
-              <a:rPr lang="ja-JP" altLang="en-US" sz="2000"/>
-              <a:t>白い</a:t>
-            </a:r>
-            <a:r>
-              <a:rPr lang="en-US" altLang="ja-JP" sz="2000" dirty="0"/>
-              <a:t>View</a:t>
-            </a:r>
-            <a:r>
-              <a:rPr lang="ja-JP" altLang="en-US" sz="2000"/>
-              <a:t>における処理を記述したファイル</a:t>
-            </a:r>
-            <a:endParaRPr lang="en-US" altLang="ja-JP" sz="2000" dirty="0"/>
-          </a:p>
-          <a:p>
-            <a:pPr lvl="1"/>
-            <a:r>
-              <a:rPr lang="en-US" altLang="ja-JP" dirty="0" err="1"/>
-              <a:t>Main.storyboard</a:t>
-            </a:r>
-            <a:endParaRPr lang="en-US" altLang="ja-JP" dirty="0"/>
-          </a:p>
-          <a:p>
-            <a:pPr marL="446400" lvl="2" indent="0">
-              <a:buNone/>
-            </a:pPr>
-            <a:r>
-              <a:rPr lang="en-US" altLang="ja-JP" sz="2000" dirty="0"/>
-              <a:t>	UI</a:t>
-            </a:r>
-            <a:r>
-              <a:rPr lang="ja-JP" altLang="en-US" sz="2000"/>
-              <a:t>を</a:t>
-            </a:r>
-            <a:r>
-              <a:rPr lang="en-US" altLang="ja-JP" sz="2000" dirty="0"/>
-              <a:t>GUI</a:t>
-            </a:r>
-            <a:r>
-              <a:rPr lang="ja-JP" altLang="en-US" sz="2000"/>
-              <a:t>で設定できるファイル</a:t>
-            </a:r>
-            <a:endParaRPr lang="en-US" altLang="ja-JP" sz="2000" dirty="0"/>
-          </a:p>
-          <a:p>
-            <a:pPr lvl="1"/>
-            <a:r>
-              <a:rPr lang="en-US" altLang="ja-JP" dirty="0" err="1"/>
-              <a:t>Info.plist</a:t>
-            </a:r>
-            <a:endParaRPr lang="en-US" altLang="ja-JP" dirty="0"/>
-          </a:p>
-          <a:p>
-            <a:pPr marL="446400" lvl="2" indent="0">
-              <a:buNone/>
-            </a:pPr>
-            <a:r>
-              <a:rPr lang="en-US" altLang="ja-JP" sz="2000" dirty="0"/>
-              <a:t>	</a:t>
-            </a:r>
-            <a:r>
-              <a:rPr lang="ja-JP" altLang="en-US" sz="2000"/>
-              <a:t>設定ファイル（権限とか）</a:t>
-            </a:r>
-            <a:endParaRPr lang="en-US" altLang="ja-JP" dirty="0"/>
-          </a:p>
-        </p:txBody>
-      </p:sp>
+              <a:t>デモ</a:t>
+            </a:r>
+          </a:p>
+        </p:txBody>
+      </p:sp>
+      <p:pic>
+        <p:nvPicPr>
+          <p:cNvPr id="4" name="図 3">
+            <a:extLst>
+              <a:ext uri="{FF2B5EF4-FFF2-40B4-BE49-F238E27FC236}">
+                <a16:creationId xmlns:a16="http://schemas.microsoft.com/office/drawing/2014/main" id="{1DC73953-AE71-9C44-8621-07605E6C18B5}"/>
+              </a:ext>
+            </a:extLst>
+          </p:cNvPr>
+          <p:cNvPicPr>
+            <a:picLocks noChangeAspect="1"/>
+          </p:cNvPicPr>
+          <p:nvPr/>
+        </p:nvPicPr>
+        <p:blipFill>
+          <a:blip r:embed="rId2"/>
+          <a:stretch>
+            <a:fillRect/>
+          </a:stretch>
+        </p:blipFill>
+        <p:spPr>
+          <a:xfrm>
+            <a:off x="2976846" y="2124025"/>
+            <a:ext cx="2272078" cy="4733975"/>
+          </a:xfrm>
+          <a:prstGeom prst="rect">
+            <a:avLst/>
+          </a:prstGeom>
+        </p:spPr>
+      </p:pic>
     </p:spTree>
     <p:extLst>
       <p:ext uri="{BB962C8B-B14F-4D97-AF65-F5344CB8AC3E}">
-        <p14:creationId xmlns:p14="http://schemas.microsoft.com/office/powerpoint/2010/main" val="3122885428"/>
+        <p14:creationId xmlns:p14="http://schemas.microsoft.com/office/powerpoint/2010/main" val="2115298919"/>
       </p:ext>
     </p:extLst>
   </p:cSld>
@@ -4723,6 +4763,209 @@
           <p:cNvPr id="2" name="タイトル 1">
             <a:extLst>
               <a:ext uri="{FF2B5EF4-FFF2-40B4-BE49-F238E27FC236}">
+                <a16:creationId xmlns:a16="http://schemas.microsoft.com/office/drawing/2014/main" id="{4AAC53AC-3CD0-5940-8128-A5530961F8D8}"/>
+              </a:ext>
+            </a:extLst>
+          </p:cNvPr>
+          <p:cNvSpPr>
+            <a:spLocks noGrp="1"/>
+          </p:cNvSpPr>
+          <p:nvPr>
+            <p:ph type="title"/>
+          </p:nvPr>
+        </p:nvSpPr>
+        <p:spPr/>
+        <p:txBody>
+          <a:bodyPr/>
+          <a:lstStyle/>
+          <a:p>
+            <a:r>
+              <a:rPr kumimoji="1" lang="ja-JP" altLang="en-US" sz="4400"/>
+              <a:t>プロジェクトの中身を見てみよう</a:t>
+            </a:r>
+          </a:p>
+        </p:txBody>
+      </p:sp>
+      <p:sp>
+        <p:nvSpPr>
+          <p:cNvPr id="3" name="コンテンツ プレースホルダー 2">
+            <a:extLst>
+              <a:ext uri="{FF2B5EF4-FFF2-40B4-BE49-F238E27FC236}">
+                <a16:creationId xmlns:a16="http://schemas.microsoft.com/office/drawing/2014/main" id="{C14EB6D0-C02F-5242-94C4-1610DD469250}"/>
+              </a:ext>
+            </a:extLst>
+          </p:cNvPr>
+          <p:cNvSpPr>
+            <a:spLocks noGrp="1"/>
+          </p:cNvSpPr>
+          <p:nvPr>
+            <p:ph idx="1"/>
+          </p:nvPr>
+        </p:nvSpPr>
+        <p:spPr/>
+        <p:txBody>
+          <a:bodyPr/>
+          <a:lstStyle/>
+          <a:p>
+            <a:r>
+              <a:rPr lang="en-US" altLang="ja-JP" dirty="0" err="1"/>
+              <a:t>Xcode</a:t>
+            </a:r>
+            <a:r>
+              <a:rPr kumimoji="1" lang="ja-JP" altLang="en-US"/>
+              <a:t>では勝手に白い</a:t>
+            </a:r>
+            <a:r>
+              <a:rPr kumimoji="1" lang="en-US" altLang="ja-JP" dirty="0"/>
+              <a:t>View</a:t>
+            </a:r>
+            <a:r>
+              <a:rPr kumimoji="1" lang="ja-JP" altLang="en-US"/>
+              <a:t>が表示されところまで作ってくれます</a:t>
+            </a:r>
+            <a:endParaRPr kumimoji="1" lang="en-US" altLang="ja-JP" dirty="0"/>
+          </a:p>
+          <a:p>
+            <a:pPr lvl="1"/>
+            <a:r>
+              <a:rPr lang="en-US" altLang="ja-JP" dirty="0" err="1"/>
+              <a:t>AppDelegate.swift</a:t>
+            </a:r>
+            <a:endParaRPr lang="en-US" altLang="ja-JP" dirty="0"/>
+          </a:p>
+          <a:p>
+            <a:pPr marL="446400" lvl="2" indent="0">
+              <a:buNone/>
+            </a:pPr>
+            <a:r>
+              <a:rPr kumimoji="1" lang="en-US" altLang="ja-JP" sz="2000" dirty="0"/>
+              <a:t>	</a:t>
+            </a:r>
+            <a:r>
+              <a:rPr kumimoji="1" lang="ja-JP" altLang="en-US" sz="2000"/>
+              <a:t>アプリ全体における処理を記述したファイル</a:t>
+            </a:r>
+            <a:endParaRPr kumimoji="1" lang="en-US" altLang="ja-JP" sz="2000" dirty="0"/>
+          </a:p>
+          <a:p>
+            <a:pPr lvl="1"/>
+            <a:r>
+              <a:rPr lang="en-US" altLang="ja-JP" dirty="0" err="1"/>
+              <a:t>ViewController.swift</a:t>
+            </a:r>
+            <a:endParaRPr lang="en-US" altLang="ja-JP" dirty="0"/>
+          </a:p>
+          <a:p>
+            <a:pPr marL="446400" lvl="2" indent="0">
+              <a:buNone/>
+            </a:pPr>
+            <a:r>
+              <a:rPr lang="en-US" altLang="ja-JP" dirty="0"/>
+              <a:t>	</a:t>
+            </a:r>
+            <a:r>
+              <a:rPr lang="ja-JP" altLang="en-US" sz="2000"/>
+              <a:t>白い</a:t>
+            </a:r>
+            <a:r>
+              <a:rPr lang="en-US" altLang="ja-JP" sz="2000" dirty="0"/>
+              <a:t>View</a:t>
+            </a:r>
+            <a:r>
+              <a:rPr lang="ja-JP" altLang="en-US" sz="2000"/>
+              <a:t>における処理を記述したファイル</a:t>
+            </a:r>
+            <a:endParaRPr lang="en-US" altLang="ja-JP" sz="2000" dirty="0"/>
+          </a:p>
+          <a:p>
+            <a:pPr lvl="1"/>
+            <a:r>
+              <a:rPr lang="en-US" altLang="ja-JP" dirty="0" err="1"/>
+              <a:t>Main.storyboard</a:t>
+            </a:r>
+            <a:endParaRPr lang="en-US" altLang="ja-JP" dirty="0"/>
+          </a:p>
+          <a:p>
+            <a:pPr marL="446400" lvl="2" indent="0">
+              <a:buNone/>
+            </a:pPr>
+            <a:r>
+              <a:rPr lang="en-US" altLang="ja-JP" sz="2000" dirty="0"/>
+              <a:t>	UI</a:t>
+            </a:r>
+            <a:r>
+              <a:rPr lang="ja-JP" altLang="en-US" sz="2000"/>
+              <a:t>を</a:t>
+            </a:r>
+            <a:r>
+              <a:rPr lang="en-US" altLang="ja-JP" sz="2000" dirty="0"/>
+              <a:t>GUI</a:t>
+            </a:r>
+            <a:r>
+              <a:rPr lang="ja-JP" altLang="en-US" sz="2000"/>
+              <a:t>で設定できるファイル</a:t>
+            </a:r>
+            <a:endParaRPr lang="en-US" altLang="ja-JP" sz="2000" dirty="0"/>
+          </a:p>
+          <a:p>
+            <a:pPr lvl="1"/>
+            <a:r>
+              <a:rPr lang="en-US" altLang="ja-JP" dirty="0" err="1"/>
+              <a:t>Info.plist</a:t>
+            </a:r>
+            <a:endParaRPr lang="en-US" altLang="ja-JP" dirty="0"/>
+          </a:p>
+          <a:p>
+            <a:pPr marL="446400" lvl="2" indent="0">
+              <a:buNone/>
+            </a:pPr>
+            <a:r>
+              <a:rPr lang="en-US" altLang="ja-JP" sz="2000" dirty="0"/>
+              <a:t>	</a:t>
+            </a:r>
+            <a:r>
+              <a:rPr lang="ja-JP" altLang="en-US" sz="2000"/>
+              <a:t>設定ファイル（権限とか）</a:t>
+            </a:r>
+            <a:endParaRPr lang="en-US" altLang="ja-JP" dirty="0"/>
+          </a:p>
+        </p:txBody>
+      </p:sp>
+    </p:spTree>
+    <p:extLst>
+      <p:ext uri="{BB962C8B-B14F-4D97-AF65-F5344CB8AC3E}">
+        <p14:creationId xmlns:p14="http://schemas.microsoft.com/office/powerpoint/2010/main" val="3122885428"/>
+      </p:ext>
+    </p:extLst>
+  </p:cSld>
+  <p:clrMapOvr>
+    <a:masterClrMapping/>
+  </p:clrMapOvr>
+</p:sld>
+</file>
+
+<file path=ppt/slides/slide14.xml><?xml version="1.0" encoding="utf-8"?>
+<p:sld xmlns:a="http://schemas.openxmlformats.org/drawingml/2006/main" xmlns:r="http://schemas.openxmlformats.org/officeDocument/2006/relationships" xmlns:p="http://schemas.openxmlformats.org/presentationml/2006/main">
+  <p:cSld>
+    <p:spTree>
+      <p:nvGrpSpPr>
+        <p:cNvPr id="1" name=""/>
+        <p:cNvGrpSpPr/>
+        <p:nvPr/>
+      </p:nvGrpSpPr>
+      <p:grpSpPr>
+        <a:xfrm>
+          <a:off x="0" y="0"/>
+          <a:ext cx="0" cy="0"/>
+          <a:chOff x="0" y="0"/>
+          <a:chExt cx="0" cy="0"/>
+        </a:xfrm>
+      </p:grpSpPr>
+      <p:sp>
+        <p:nvSpPr>
+          <p:cNvPr id="2" name="タイトル 1">
+            <a:extLst>
+              <a:ext uri="{FF2B5EF4-FFF2-40B4-BE49-F238E27FC236}">
                 <a16:creationId xmlns:a16="http://schemas.microsoft.com/office/drawing/2014/main" id="{301D59DB-4DFF-414E-8140-D4C4F56E2C74}"/>
               </a:ext>
             </a:extLst>
@@ -4740,18 +4983,30 @@
           <a:lstStyle/>
           <a:p>
             <a:r>
-              <a:rPr kumimoji="1" lang="en-US" altLang="ja-JP" dirty="0"/>
+              <a:rPr kumimoji="1" lang="ja-JP" altLang="en-US" sz="4400"/>
+              <a:t>演習</a:t>
+            </a:r>
+            <a:r>
+              <a:rPr kumimoji="1" lang="en-US" altLang="ja-JP" sz="4400" dirty="0"/>
+              <a:t>1</a:t>
+            </a:r>
+            <a:r>
+              <a:rPr lang="en-US" altLang="ja-JP" sz="4400" dirty="0"/>
+              <a:t> </a:t>
+            </a:r>
+            <a:r>
+              <a:rPr kumimoji="1" lang="en-US" altLang="ja-JP" sz="4400" dirty="0"/>
               <a:t>Hello World</a:t>
             </a:r>
             <a:r>
-              <a:rPr lang="en-US" altLang="ja-JP" dirty="0"/>
+              <a:rPr lang="en-US" altLang="ja-JP" sz="4400" dirty="0"/>
               <a:t> </a:t>
             </a:r>
             <a:r>
-              <a:rPr lang="ja-JP" altLang="en-US"/>
+              <a:rPr lang="ja-JP" altLang="en-US" sz="4400"/>
               <a:t>してみよう</a:t>
             </a:r>
-            <a:endParaRPr kumimoji="1" lang="ja-JP" altLang="en-US"/>
+            <a:endParaRPr kumimoji="1" lang="ja-JP" altLang="en-US" sz="4400"/>
           </a:p>
         </p:txBody>
       </p:sp>
@@ -4793,7 +5048,7 @@
             </a:r>
             <a:r>
               <a:rPr kumimoji="1" lang="ja-JP" altLang="en-US"/>
-              <a:t>が呼ばれたタイミングで行う処理を記述</a:t>
+              <a:t>が読み込まれたタイミングで行う処理を記述</a:t>
             </a:r>
             <a:endParaRPr kumimoji="1" lang="en-US" altLang="ja-JP" dirty="0"/>
           </a:p>
@@ -4808,7 +5063,7 @@
             </a:r>
             <a:r>
               <a:rPr kumimoji="1" lang="en-US" altLang="ja-JP" dirty="0"/>
-              <a:t>rint(text :</a:t>
+              <a:t>rint(text: </a:t>
             </a:r>
             <a:r>
               <a:rPr kumimoji="1" lang="en-US" altLang="ja-JP" dirty="0">
@@ -4833,6 +5088,1022 @@
     <p:extLst>
       <p:ext uri="{BB962C8B-B14F-4D97-AF65-F5344CB8AC3E}">
         <p14:creationId xmlns:p14="http://schemas.microsoft.com/office/powerpoint/2010/main" val="1727610456"/>
+      </p:ext>
+    </p:extLst>
+  </p:cSld>
+  <p:clrMapOvr>
+    <a:masterClrMapping/>
+  </p:clrMapOvr>
+</p:sld>
+</file>
+
+<file path=ppt/slides/slide15.xml><?xml version="1.0" encoding="utf-8"?>
+<p:sld xmlns:a="http://schemas.openxmlformats.org/drawingml/2006/main" xmlns:r="http://schemas.openxmlformats.org/officeDocument/2006/relationships" xmlns:p="http://schemas.openxmlformats.org/presentationml/2006/main">
+  <p:cSld>
+    <p:spTree>
+      <p:nvGrpSpPr>
+        <p:cNvPr id="1" name=""/>
+        <p:cNvGrpSpPr/>
+        <p:nvPr/>
+      </p:nvGrpSpPr>
+      <p:grpSpPr>
+        <a:xfrm>
+          <a:off x="0" y="0"/>
+          <a:ext cx="0" cy="0"/>
+          <a:chOff x="0" y="0"/>
+          <a:chExt cx="0" cy="0"/>
+        </a:xfrm>
+      </p:grpSpPr>
+      <p:sp>
+        <p:nvSpPr>
+          <p:cNvPr id="2" name="タイトル 1">
+            <a:extLst>
+              <a:ext uri="{FF2B5EF4-FFF2-40B4-BE49-F238E27FC236}">
+                <a16:creationId xmlns:a16="http://schemas.microsoft.com/office/drawing/2014/main" id="{FE1B3B9F-4797-A14F-BB3E-89CEEBF52697}"/>
+              </a:ext>
+            </a:extLst>
+          </p:cNvPr>
+          <p:cNvSpPr>
+            <a:spLocks noGrp="1"/>
+          </p:cNvSpPr>
+          <p:nvPr>
+            <p:ph type="title"/>
+          </p:nvPr>
+        </p:nvSpPr>
+        <p:spPr/>
+        <p:txBody>
+          <a:bodyPr/>
+          <a:lstStyle/>
+          <a:p>
+            <a:r>
+              <a:rPr kumimoji="1" lang="ja-JP" altLang="en-US" sz="4400"/>
+              <a:t>演習</a:t>
+            </a:r>
+            <a:r>
+              <a:rPr kumimoji="1" lang="en-US" altLang="ja-JP" sz="4400" dirty="0"/>
+              <a:t>2 </a:t>
+            </a:r>
+            <a:r>
+              <a:rPr kumimoji="1" lang="ja-JP" altLang="en-US" sz="4400"/>
+              <a:t>関数を作ろう</a:t>
+            </a:r>
+          </a:p>
+        </p:txBody>
+      </p:sp>
+      <p:sp>
+        <p:nvSpPr>
+          <p:cNvPr id="3" name="コンテンツ プレースホルダー 2">
+            <a:extLst>
+              <a:ext uri="{FF2B5EF4-FFF2-40B4-BE49-F238E27FC236}">
+                <a16:creationId xmlns:a16="http://schemas.microsoft.com/office/drawing/2014/main" id="{ED69B072-9456-2A4A-A02B-812754134253}"/>
+              </a:ext>
+            </a:extLst>
+          </p:cNvPr>
+          <p:cNvSpPr>
+            <a:spLocks noGrp="1"/>
+          </p:cNvSpPr>
+          <p:nvPr>
+            <p:ph idx="1"/>
+          </p:nvPr>
+        </p:nvSpPr>
+        <p:spPr/>
+        <p:txBody>
+          <a:bodyPr/>
+          <a:lstStyle/>
+          <a:p>
+            <a:r>
+              <a:rPr kumimoji="1" lang="en-US" altLang="ja-JP" dirty="0"/>
+              <a:t>1~N</a:t>
+            </a:r>
+            <a:r>
+              <a:rPr kumimoji="1" lang="ja-JP" altLang="en-US"/>
+              <a:t>までの整数を足し合わせた値を返す</a:t>
+            </a:r>
+            <a:br>
+              <a:rPr kumimoji="1" lang="en-US" altLang="ja-JP" dirty="0"/>
+            </a:br>
+            <a:r>
+              <a:rPr kumimoji="1" lang="ja-JP" altLang="en-US"/>
+              <a:t>関数</a:t>
+            </a:r>
+            <a:r>
+              <a:rPr kumimoji="1" lang="en-US" altLang="ja-JP" dirty="0"/>
+              <a:t> </a:t>
+            </a:r>
+            <a:r>
+              <a:rPr kumimoji="1" lang="en-US" altLang="ja-JP" dirty="0" err="1"/>
+              <a:t>getSum</a:t>
+            </a:r>
+            <a:r>
+              <a:rPr kumimoji="1" lang="en-US" altLang="ja-JP" dirty="0"/>
+              <a:t>(N) </a:t>
+            </a:r>
+            <a:r>
+              <a:rPr kumimoji="1" lang="ja-JP" altLang="en-US"/>
+              <a:t>を作ろう</a:t>
+            </a:r>
+            <a:endParaRPr kumimoji="1" lang="en-US" altLang="ja-JP" dirty="0"/>
+          </a:p>
+          <a:p>
+            <a:endParaRPr lang="en-US" altLang="ja-JP" dirty="0"/>
+          </a:p>
+          <a:p>
+            <a:r>
+              <a:rPr lang="en-US" altLang="ja-JP" dirty="0" err="1"/>
+              <a:t>getSum</a:t>
+            </a:r>
+            <a:r>
+              <a:rPr lang="en-US" altLang="ja-JP" dirty="0"/>
+              <a:t>(50)</a:t>
+            </a:r>
+            <a:r>
+              <a:rPr lang="ja-JP" altLang="en-US"/>
+              <a:t>を</a:t>
+            </a:r>
+            <a:r>
+              <a:rPr lang="en-US" altLang="ja-JP" dirty="0"/>
+              <a:t>print</a:t>
+            </a:r>
+            <a:r>
+              <a:rPr lang="ja-JP" altLang="en-US"/>
+              <a:t>で表示しよう</a:t>
+            </a:r>
+            <a:endParaRPr lang="en-US" altLang="ja-JP" dirty="0"/>
+          </a:p>
+        </p:txBody>
+      </p:sp>
+    </p:spTree>
+    <p:extLst>
+      <p:ext uri="{BB962C8B-B14F-4D97-AF65-F5344CB8AC3E}">
+        <p14:creationId xmlns:p14="http://schemas.microsoft.com/office/powerpoint/2010/main" val="426439004"/>
+      </p:ext>
+    </p:extLst>
+  </p:cSld>
+  <p:clrMapOvr>
+    <a:masterClrMapping/>
+  </p:clrMapOvr>
+</p:sld>
+</file>
+
+<file path=ppt/slides/slide16.xml><?xml version="1.0" encoding="utf-8"?>
+<p:sld xmlns:a="http://schemas.openxmlformats.org/drawingml/2006/main" xmlns:r="http://schemas.openxmlformats.org/officeDocument/2006/relationships" xmlns:p="http://schemas.openxmlformats.org/presentationml/2006/main">
+  <p:cSld>
+    <p:spTree>
+      <p:nvGrpSpPr>
+        <p:cNvPr id="1" name=""/>
+        <p:cNvGrpSpPr/>
+        <p:nvPr/>
+      </p:nvGrpSpPr>
+      <p:grpSpPr>
+        <a:xfrm>
+          <a:off x="0" y="0"/>
+          <a:ext cx="0" cy="0"/>
+          <a:chOff x="0" y="0"/>
+          <a:chExt cx="0" cy="0"/>
+        </a:xfrm>
+      </p:grpSpPr>
+      <p:sp>
+        <p:nvSpPr>
+          <p:cNvPr id="2" name="タイトル 1">
+            <a:extLst>
+              <a:ext uri="{FF2B5EF4-FFF2-40B4-BE49-F238E27FC236}">
+                <a16:creationId xmlns:a16="http://schemas.microsoft.com/office/drawing/2014/main" id="{A84194FF-DEC1-3049-A32F-7131BCFC059C}"/>
+              </a:ext>
+            </a:extLst>
+          </p:cNvPr>
+          <p:cNvSpPr>
+            <a:spLocks noGrp="1"/>
+          </p:cNvSpPr>
+          <p:nvPr>
+            <p:ph type="title"/>
+          </p:nvPr>
+        </p:nvSpPr>
+        <p:spPr/>
+        <p:txBody>
+          <a:bodyPr/>
+          <a:lstStyle/>
+          <a:p>
+            <a:r>
+              <a:rPr kumimoji="1" lang="ja-JP" altLang="en-US"/>
+              <a:t>演習</a:t>
+            </a:r>
+            <a:r>
+              <a:rPr kumimoji="1" lang="en-US" altLang="ja-JP" dirty="0"/>
+              <a:t>2</a:t>
+            </a:r>
+            <a:r>
+              <a:rPr kumimoji="1" lang="ja-JP" altLang="en-US"/>
+              <a:t> ヒント</a:t>
+            </a:r>
+          </a:p>
+        </p:txBody>
+      </p:sp>
+      <p:sp>
+        <p:nvSpPr>
+          <p:cNvPr id="3" name="コンテンツ プレースホルダー 2">
+            <a:extLst>
+              <a:ext uri="{FF2B5EF4-FFF2-40B4-BE49-F238E27FC236}">
+                <a16:creationId xmlns:a16="http://schemas.microsoft.com/office/drawing/2014/main" id="{6B95C0C1-3930-454A-9828-A7823229337B}"/>
+              </a:ext>
+            </a:extLst>
+          </p:cNvPr>
+          <p:cNvSpPr>
+            <a:spLocks noGrp="1"/>
+          </p:cNvSpPr>
+          <p:nvPr>
+            <p:ph idx="1"/>
+          </p:nvPr>
+        </p:nvSpPr>
+        <p:spPr>
+          <a:xfrm>
+            <a:off x="310331" y="2124024"/>
+            <a:ext cx="8523338" cy="4733975"/>
+          </a:xfrm>
+        </p:spPr>
+        <p:txBody>
+          <a:bodyPr>
+            <a:normAutofit fontScale="92500" lnSpcReduction="10000"/>
+          </a:bodyPr>
+          <a:lstStyle/>
+          <a:p>
+            <a:r>
+              <a:rPr lang="en-US" altLang="ja-JP" dirty="0"/>
+              <a:t>for</a:t>
+            </a:r>
+            <a:r>
+              <a:rPr kumimoji="1" lang="ja-JP" altLang="en-US"/>
+              <a:t>文の書き方</a:t>
+            </a:r>
+            <a:endParaRPr kumimoji="1" lang="en-US" altLang="ja-JP" dirty="0"/>
+          </a:p>
+          <a:p>
+            <a:pPr lvl="1"/>
+            <a:r>
+              <a:rPr lang="en-US" altLang="ja-JP" sz="2800" i="1" dirty="0"/>
+              <a:t>for(</a:t>
+            </a:r>
+            <a:r>
+              <a:rPr lang="en-US" altLang="ja-JP" sz="2800" i="1" dirty="0" err="1"/>
+              <a:t>int</a:t>
+            </a:r>
+            <a:r>
+              <a:rPr lang="en-US" altLang="ja-JP" sz="2800" i="1" dirty="0"/>
+              <a:t> </a:t>
+            </a:r>
+            <a:r>
+              <a:rPr lang="en-US" altLang="ja-JP" sz="2800" i="1" dirty="0" err="1"/>
+              <a:t>i</a:t>
+            </a:r>
+            <a:r>
+              <a:rPr lang="en-US" altLang="ja-JP" sz="2800" i="1" dirty="0"/>
+              <a:t>=0; </a:t>
+            </a:r>
+            <a:r>
+              <a:rPr lang="en-US" altLang="ja-JP" sz="2800" i="1" dirty="0" err="1"/>
+              <a:t>i</a:t>
+            </a:r>
+            <a:r>
+              <a:rPr lang="en-US" altLang="ja-JP" sz="2800" i="1" dirty="0"/>
+              <a:t>&lt;N; </a:t>
+            </a:r>
+            <a:r>
+              <a:rPr lang="en-US" altLang="ja-JP" sz="2800" i="1" dirty="0" err="1"/>
+              <a:t>i</a:t>
+            </a:r>
+            <a:r>
+              <a:rPr lang="en-US" altLang="ja-JP" sz="2800" i="1" dirty="0"/>
+              <a:t>++) {… </a:t>
+            </a:r>
+            <a:br>
+              <a:rPr lang="en-US" altLang="ja-JP" sz="2800" i="1" dirty="0"/>
+            </a:br>
+            <a:r>
+              <a:rPr lang="ja-JP" altLang="en-US" sz="2800" i="1"/>
+              <a:t>👉</a:t>
+            </a:r>
+            <a:r>
+              <a:rPr lang="en-US" altLang="ja-JP" sz="2800" i="1" dirty="0"/>
+              <a:t> for </a:t>
+            </a:r>
+            <a:r>
+              <a:rPr lang="en-US" altLang="ja-JP" sz="2800" i="1" dirty="0" err="1"/>
+              <a:t>i</a:t>
+            </a:r>
+            <a:r>
+              <a:rPr lang="en-US" altLang="ja-JP" sz="2800" i="1" dirty="0"/>
+              <a:t> in 0..&lt;N</a:t>
+            </a:r>
+          </a:p>
+          <a:p>
+            <a:pPr lvl="0"/>
+            <a:r>
+              <a:rPr lang="ja-JP" altLang="en-US">
+                <a:solidFill>
+                  <a:prstClr val="black">
+                    <a:lumMod val="75000"/>
+                    <a:lumOff val="25000"/>
+                  </a:prstClr>
+                </a:solidFill>
+              </a:rPr>
+              <a:t>関数の作り方</a:t>
+            </a:r>
+            <a:endParaRPr lang="en-US" altLang="ja-JP" dirty="0">
+              <a:solidFill>
+                <a:prstClr val="black">
+                  <a:lumMod val="75000"/>
+                  <a:lumOff val="25000"/>
+                </a:prstClr>
+              </a:solidFill>
+            </a:endParaRPr>
+          </a:p>
+          <a:p>
+            <a:pPr lvl="1"/>
+            <a:r>
+              <a:rPr lang="ja-JP" altLang="en-US">
+                <a:solidFill>
+                  <a:prstClr val="black">
+                    <a:lumMod val="75000"/>
+                    <a:lumOff val="25000"/>
+                  </a:prstClr>
+                </a:solidFill>
+              </a:rPr>
+              <a:t>（返り値なし）</a:t>
+            </a:r>
+            <a:r>
+              <a:rPr lang="en-US" altLang="ja-JP" dirty="0">
+                <a:solidFill>
+                  <a:prstClr val="black">
+                    <a:lumMod val="75000"/>
+                    <a:lumOff val="25000"/>
+                  </a:prstClr>
+                </a:solidFill>
+              </a:rPr>
+              <a:t>void </a:t>
+            </a:r>
+            <a:r>
+              <a:rPr lang="en-US" altLang="ja-JP" dirty="0" err="1">
+                <a:solidFill>
+                  <a:prstClr val="black">
+                    <a:lumMod val="75000"/>
+                    <a:lumOff val="25000"/>
+                  </a:prstClr>
+                </a:solidFill>
+              </a:rPr>
+              <a:t>hogehoge</a:t>
+            </a:r>
+            <a:r>
+              <a:rPr lang="en-US" altLang="ja-JP" dirty="0">
+                <a:solidFill>
+                  <a:prstClr val="black">
+                    <a:lumMod val="75000"/>
+                    <a:lumOff val="25000"/>
+                  </a:prstClr>
+                </a:solidFill>
+              </a:rPr>
+              <a:t>(</a:t>
+            </a:r>
+            <a:r>
+              <a:rPr lang="en-US" altLang="ja-JP" dirty="0" err="1">
+                <a:solidFill>
+                  <a:prstClr val="black">
+                    <a:lumMod val="75000"/>
+                    <a:lumOff val="25000"/>
+                  </a:prstClr>
+                </a:solidFill>
+              </a:rPr>
+              <a:t>int</a:t>
+            </a:r>
+            <a:r>
+              <a:rPr lang="en-US" altLang="ja-JP" dirty="0">
+                <a:solidFill>
+                  <a:prstClr val="black">
+                    <a:lumMod val="75000"/>
+                    <a:lumOff val="25000"/>
+                  </a:prstClr>
+                </a:solidFill>
+              </a:rPr>
+              <a:t> </a:t>
+            </a:r>
+            <a:r>
+              <a:rPr lang="en-US" altLang="ja-JP" dirty="0" err="1">
+                <a:solidFill>
+                  <a:prstClr val="black">
+                    <a:lumMod val="75000"/>
+                    <a:lumOff val="25000"/>
+                  </a:prstClr>
+                </a:solidFill>
+              </a:rPr>
+              <a:t>num</a:t>
+            </a:r>
+            <a:r>
+              <a:rPr lang="en-US" altLang="ja-JP" dirty="0">
+                <a:solidFill>
+                  <a:prstClr val="black">
+                    <a:lumMod val="75000"/>
+                    <a:lumOff val="25000"/>
+                  </a:prstClr>
+                </a:solidFill>
+              </a:rPr>
+              <a:t>){ …</a:t>
+            </a:r>
+            <a:br>
+              <a:rPr lang="en-US" altLang="ja-JP" dirty="0">
+                <a:solidFill>
+                  <a:prstClr val="black">
+                    <a:lumMod val="75000"/>
+                    <a:lumOff val="25000"/>
+                  </a:prstClr>
+                </a:solidFill>
+              </a:rPr>
+            </a:br>
+            <a:r>
+              <a:rPr lang="ja-JP" altLang="en-US">
+                <a:solidFill>
+                  <a:prstClr val="black">
+                    <a:lumMod val="75000"/>
+                    <a:lumOff val="25000"/>
+                  </a:prstClr>
+                </a:solidFill>
+              </a:rPr>
+              <a:t>👉</a:t>
+            </a:r>
+            <a:r>
+              <a:rPr lang="en-US" altLang="ja-JP" dirty="0">
+                <a:solidFill>
+                  <a:prstClr val="black">
+                    <a:lumMod val="75000"/>
+                    <a:lumOff val="25000"/>
+                  </a:prstClr>
+                </a:solidFill>
+              </a:rPr>
+              <a:t> </a:t>
+            </a:r>
+            <a:r>
+              <a:rPr lang="en-US" altLang="ja-JP" dirty="0" err="1">
+                <a:solidFill>
+                  <a:prstClr val="black">
+                    <a:lumMod val="75000"/>
+                    <a:lumOff val="25000"/>
+                  </a:prstClr>
+                </a:solidFill>
+              </a:rPr>
+              <a:t>func</a:t>
+            </a:r>
+            <a:r>
+              <a:rPr lang="en-US" altLang="ja-JP" dirty="0">
+                <a:solidFill>
+                  <a:prstClr val="black">
+                    <a:lumMod val="75000"/>
+                    <a:lumOff val="25000"/>
+                  </a:prstClr>
+                </a:solidFill>
+              </a:rPr>
+              <a:t> </a:t>
+            </a:r>
+            <a:r>
+              <a:rPr lang="en-US" altLang="ja-JP" dirty="0" err="1">
+                <a:solidFill>
+                  <a:prstClr val="black">
+                    <a:lumMod val="75000"/>
+                    <a:lumOff val="25000"/>
+                  </a:prstClr>
+                </a:solidFill>
+              </a:rPr>
+              <a:t>hogehoge</a:t>
+            </a:r>
+            <a:r>
+              <a:rPr lang="en-US" altLang="ja-JP" dirty="0">
+                <a:solidFill>
+                  <a:prstClr val="black">
+                    <a:lumMod val="75000"/>
+                    <a:lumOff val="25000"/>
+                  </a:prstClr>
+                </a:solidFill>
+              </a:rPr>
+              <a:t>(</a:t>
+            </a:r>
+            <a:r>
+              <a:rPr lang="en-US" altLang="ja-JP" dirty="0" err="1">
+                <a:solidFill>
+                  <a:prstClr val="black">
+                    <a:lumMod val="75000"/>
+                    <a:lumOff val="25000"/>
+                  </a:prstClr>
+                </a:solidFill>
+              </a:rPr>
+              <a:t>num</a:t>
+            </a:r>
+            <a:r>
+              <a:rPr lang="en-US" altLang="ja-JP" dirty="0">
+                <a:solidFill>
+                  <a:prstClr val="black">
+                    <a:lumMod val="75000"/>
+                    <a:lumOff val="25000"/>
+                  </a:prstClr>
+                </a:solidFill>
+              </a:rPr>
+              <a:t>: </a:t>
+            </a:r>
+            <a:r>
+              <a:rPr lang="en-US" altLang="ja-JP" dirty="0" err="1">
+                <a:solidFill>
+                  <a:prstClr val="black">
+                    <a:lumMod val="75000"/>
+                    <a:lumOff val="25000"/>
+                  </a:prstClr>
+                </a:solidFill>
+              </a:rPr>
+              <a:t>Int</a:t>
+            </a:r>
+            <a:r>
+              <a:rPr lang="en-US" altLang="ja-JP" dirty="0">
+                <a:solidFill>
+                  <a:prstClr val="black">
+                    <a:lumMod val="75000"/>
+                    <a:lumOff val="25000"/>
+                  </a:prstClr>
+                </a:solidFill>
+              </a:rPr>
+              <a:t>){ …</a:t>
+            </a:r>
+          </a:p>
+          <a:p>
+            <a:pPr lvl="1"/>
+            <a:r>
+              <a:rPr lang="ja-JP" altLang="en-US">
+                <a:solidFill>
+                  <a:prstClr val="black">
+                    <a:lumMod val="75000"/>
+                    <a:lumOff val="25000"/>
+                  </a:prstClr>
+                </a:solidFill>
+              </a:rPr>
+              <a:t>（返り値あり）</a:t>
+            </a:r>
+            <a:r>
+              <a:rPr lang="en-US" altLang="ja-JP" dirty="0" err="1">
+                <a:solidFill>
+                  <a:prstClr val="black">
+                    <a:lumMod val="75000"/>
+                    <a:lumOff val="25000"/>
+                  </a:prstClr>
+                </a:solidFill>
+              </a:rPr>
+              <a:t>int</a:t>
+            </a:r>
+            <a:r>
+              <a:rPr lang="en-US" altLang="ja-JP" dirty="0">
+                <a:solidFill>
+                  <a:prstClr val="black">
+                    <a:lumMod val="75000"/>
+                    <a:lumOff val="25000"/>
+                  </a:prstClr>
+                </a:solidFill>
+              </a:rPr>
+              <a:t> </a:t>
+            </a:r>
+            <a:r>
+              <a:rPr lang="en-US" altLang="ja-JP" dirty="0" err="1">
+                <a:solidFill>
+                  <a:prstClr val="black">
+                    <a:lumMod val="75000"/>
+                    <a:lumOff val="25000"/>
+                  </a:prstClr>
+                </a:solidFill>
+              </a:rPr>
+              <a:t>hogehoge</a:t>
+            </a:r>
+            <a:r>
+              <a:rPr lang="en-US" altLang="ja-JP" dirty="0">
+                <a:solidFill>
+                  <a:prstClr val="black">
+                    <a:lumMod val="75000"/>
+                    <a:lumOff val="25000"/>
+                  </a:prstClr>
+                </a:solidFill>
+              </a:rPr>
+              <a:t>(</a:t>
+            </a:r>
+            <a:r>
+              <a:rPr lang="en-US" altLang="ja-JP" dirty="0" err="1">
+                <a:solidFill>
+                  <a:prstClr val="black">
+                    <a:lumMod val="75000"/>
+                    <a:lumOff val="25000"/>
+                  </a:prstClr>
+                </a:solidFill>
+              </a:rPr>
+              <a:t>Int</a:t>
+            </a:r>
+            <a:r>
+              <a:rPr lang="en-US" altLang="ja-JP" dirty="0">
+                <a:solidFill>
+                  <a:prstClr val="black">
+                    <a:lumMod val="75000"/>
+                    <a:lumOff val="25000"/>
+                  </a:prstClr>
+                </a:solidFill>
+              </a:rPr>
+              <a:t> </a:t>
+            </a:r>
+            <a:r>
+              <a:rPr lang="en-US" altLang="ja-JP" dirty="0" err="1">
+                <a:solidFill>
+                  <a:prstClr val="black">
+                    <a:lumMod val="75000"/>
+                    <a:lumOff val="25000"/>
+                  </a:prstClr>
+                </a:solidFill>
+              </a:rPr>
+              <a:t>num</a:t>
+            </a:r>
+            <a:r>
+              <a:rPr lang="en-US" altLang="ja-JP" dirty="0">
+                <a:solidFill>
+                  <a:prstClr val="black">
+                    <a:lumMod val="75000"/>
+                    <a:lumOff val="25000"/>
+                  </a:prstClr>
+                </a:solidFill>
+              </a:rPr>
+              <a:t>){ …</a:t>
+            </a:r>
+            <a:br>
+              <a:rPr lang="en-US" altLang="ja-JP" dirty="0">
+                <a:solidFill>
+                  <a:prstClr val="black">
+                    <a:lumMod val="75000"/>
+                    <a:lumOff val="25000"/>
+                  </a:prstClr>
+                </a:solidFill>
+              </a:rPr>
+            </a:br>
+            <a:r>
+              <a:rPr lang="ja-JP" altLang="en-US">
+                <a:solidFill>
+                  <a:prstClr val="black">
+                    <a:lumMod val="75000"/>
+                    <a:lumOff val="25000"/>
+                  </a:prstClr>
+                </a:solidFill>
+              </a:rPr>
+              <a:t>👉</a:t>
+            </a:r>
+            <a:r>
+              <a:rPr lang="en-US" altLang="ja-JP" dirty="0">
+                <a:solidFill>
+                  <a:prstClr val="black">
+                    <a:lumMod val="75000"/>
+                    <a:lumOff val="25000"/>
+                  </a:prstClr>
+                </a:solidFill>
+              </a:rPr>
+              <a:t> </a:t>
+            </a:r>
+            <a:r>
+              <a:rPr lang="en-US" altLang="ja-JP" dirty="0" err="1">
+                <a:solidFill>
+                  <a:prstClr val="black">
+                    <a:lumMod val="75000"/>
+                    <a:lumOff val="25000"/>
+                  </a:prstClr>
+                </a:solidFill>
+              </a:rPr>
+              <a:t>func</a:t>
+            </a:r>
+            <a:r>
+              <a:rPr lang="en-US" altLang="ja-JP" dirty="0">
+                <a:solidFill>
+                  <a:prstClr val="black">
+                    <a:lumMod val="75000"/>
+                    <a:lumOff val="25000"/>
+                  </a:prstClr>
+                </a:solidFill>
+              </a:rPr>
+              <a:t> </a:t>
+            </a:r>
+            <a:r>
+              <a:rPr lang="en-US" altLang="ja-JP" dirty="0" err="1">
+                <a:solidFill>
+                  <a:prstClr val="black">
+                    <a:lumMod val="75000"/>
+                    <a:lumOff val="25000"/>
+                  </a:prstClr>
+                </a:solidFill>
+              </a:rPr>
+              <a:t>hogehoge</a:t>
+            </a:r>
+            <a:r>
+              <a:rPr lang="en-US" altLang="ja-JP" dirty="0">
+                <a:solidFill>
+                  <a:prstClr val="black">
+                    <a:lumMod val="75000"/>
+                    <a:lumOff val="25000"/>
+                  </a:prstClr>
+                </a:solidFill>
+              </a:rPr>
+              <a:t>(</a:t>
+            </a:r>
+            <a:r>
+              <a:rPr lang="en-US" altLang="ja-JP" dirty="0" err="1">
+                <a:solidFill>
+                  <a:prstClr val="black">
+                    <a:lumMod val="75000"/>
+                    <a:lumOff val="25000"/>
+                  </a:prstClr>
+                </a:solidFill>
+              </a:rPr>
+              <a:t>num</a:t>
+            </a:r>
+            <a:r>
+              <a:rPr lang="en-US" altLang="ja-JP" dirty="0">
+                <a:solidFill>
+                  <a:prstClr val="black">
+                    <a:lumMod val="75000"/>
+                    <a:lumOff val="25000"/>
+                  </a:prstClr>
+                </a:solidFill>
+              </a:rPr>
+              <a:t>: </a:t>
+            </a:r>
+            <a:r>
+              <a:rPr lang="en-US" altLang="ja-JP" dirty="0" err="1">
+                <a:solidFill>
+                  <a:prstClr val="black">
+                    <a:lumMod val="75000"/>
+                    <a:lumOff val="25000"/>
+                  </a:prstClr>
+                </a:solidFill>
+              </a:rPr>
+              <a:t>Int</a:t>
+            </a:r>
+            <a:r>
+              <a:rPr lang="en-US" altLang="ja-JP" dirty="0">
+                <a:solidFill>
+                  <a:prstClr val="black">
+                    <a:lumMod val="75000"/>
+                    <a:lumOff val="25000"/>
+                  </a:prstClr>
+                </a:solidFill>
+              </a:rPr>
+              <a:t>) -&gt; </a:t>
+            </a:r>
+            <a:r>
+              <a:rPr lang="en-US" altLang="ja-JP" dirty="0" err="1">
+                <a:solidFill>
+                  <a:prstClr val="black">
+                    <a:lumMod val="75000"/>
+                    <a:lumOff val="25000"/>
+                  </a:prstClr>
+                </a:solidFill>
+              </a:rPr>
+              <a:t>Int</a:t>
+            </a:r>
+            <a:r>
+              <a:rPr lang="en-US" altLang="ja-JP" dirty="0">
+                <a:solidFill>
+                  <a:prstClr val="black">
+                    <a:lumMod val="75000"/>
+                    <a:lumOff val="25000"/>
+                  </a:prstClr>
+                </a:solidFill>
+              </a:rPr>
+              <a:t> { …</a:t>
+            </a:r>
+          </a:p>
+          <a:p>
+            <a:r>
+              <a:rPr lang="ja-JP" altLang="en-US">
+                <a:solidFill>
+                  <a:prstClr val="black">
+                    <a:lumMod val="75000"/>
+                    <a:lumOff val="25000"/>
+                  </a:prstClr>
+                </a:solidFill>
+              </a:rPr>
+              <a:t>変数の書き方</a:t>
+            </a:r>
+            <a:endParaRPr lang="en-US" altLang="ja-JP" dirty="0">
+              <a:solidFill>
+                <a:prstClr val="black">
+                  <a:lumMod val="75000"/>
+                  <a:lumOff val="25000"/>
+                </a:prstClr>
+              </a:solidFill>
+            </a:endParaRPr>
+          </a:p>
+          <a:p>
+            <a:pPr lvl="1"/>
+            <a:r>
+              <a:rPr lang="en-US" altLang="ja-JP" dirty="0" err="1">
+                <a:solidFill>
+                  <a:prstClr val="black">
+                    <a:lumMod val="75000"/>
+                    <a:lumOff val="25000"/>
+                  </a:prstClr>
+                </a:solidFill>
+              </a:rPr>
+              <a:t>int</a:t>
+            </a:r>
+            <a:r>
+              <a:rPr lang="en-US" altLang="ja-JP" dirty="0">
+                <a:solidFill>
+                  <a:prstClr val="black">
+                    <a:lumMod val="75000"/>
+                    <a:lumOff val="25000"/>
+                  </a:prstClr>
+                </a:solidFill>
+              </a:rPr>
+              <a:t> value = 4</a:t>
+            </a:r>
+            <a:br>
+              <a:rPr lang="en-US" altLang="ja-JP" dirty="0">
+                <a:solidFill>
+                  <a:prstClr val="black">
+                    <a:lumMod val="75000"/>
+                    <a:lumOff val="25000"/>
+                  </a:prstClr>
+                </a:solidFill>
+              </a:rPr>
+            </a:br>
+            <a:r>
+              <a:rPr lang="ja-JP" altLang="en-US">
+                <a:solidFill>
+                  <a:prstClr val="black">
+                    <a:lumMod val="75000"/>
+                    <a:lumOff val="25000"/>
+                  </a:prstClr>
+                </a:solidFill>
+              </a:rPr>
+              <a:t>👉</a:t>
+            </a:r>
+            <a:r>
+              <a:rPr lang="en-US" altLang="ja-JP" dirty="0">
+                <a:solidFill>
+                  <a:prstClr val="black">
+                    <a:lumMod val="75000"/>
+                    <a:lumOff val="25000"/>
+                  </a:prstClr>
+                </a:solidFill>
+              </a:rPr>
+              <a:t> </a:t>
+            </a:r>
+            <a:r>
+              <a:rPr lang="en-US" altLang="ja-JP" dirty="0" err="1">
+                <a:solidFill>
+                  <a:prstClr val="black">
+                    <a:lumMod val="75000"/>
+                    <a:lumOff val="25000"/>
+                  </a:prstClr>
+                </a:solidFill>
+              </a:rPr>
+              <a:t>var</a:t>
+            </a:r>
+            <a:r>
+              <a:rPr lang="en-US" altLang="ja-JP" dirty="0">
+                <a:solidFill>
+                  <a:prstClr val="black">
+                    <a:lumMod val="75000"/>
+                    <a:lumOff val="25000"/>
+                  </a:prstClr>
+                </a:solidFill>
+              </a:rPr>
+              <a:t> value: </a:t>
+            </a:r>
+            <a:r>
+              <a:rPr lang="en-US" altLang="ja-JP" dirty="0" err="1">
+                <a:solidFill>
+                  <a:prstClr val="black">
+                    <a:lumMod val="75000"/>
+                    <a:lumOff val="25000"/>
+                  </a:prstClr>
+                </a:solidFill>
+              </a:rPr>
+              <a:t>Int</a:t>
+            </a:r>
+            <a:r>
+              <a:rPr lang="en-US" altLang="ja-JP" dirty="0">
+                <a:solidFill>
+                  <a:prstClr val="black">
+                    <a:lumMod val="75000"/>
+                    <a:lumOff val="25000"/>
+                  </a:prstClr>
+                </a:solidFill>
+              </a:rPr>
+              <a:t> = 4</a:t>
+            </a:r>
+          </a:p>
+          <a:p>
+            <a:pPr lvl="1"/>
+            <a:endParaRPr lang="en-US" altLang="ja-JP" dirty="0">
+              <a:solidFill>
+                <a:prstClr val="black">
+                  <a:lumMod val="75000"/>
+                  <a:lumOff val="25000"/>
+                </a:prstClr>
+              </a:solidFill>
+            </a:endParaRPr>
+          </a:p>
+          <a:p>
+            <a:pPr marL="0" indent="0">
+              <a:buNone/>
+            </a:pPr>
+            <a:endParaRPr kumimoji="1" lang="ja-JP" altLang="en-US" sz="3900" b="0"/>
+          </a:p>
+        </p:txBody>
+      </p:sp>
+    </p:spTree>
+    <p:extLst>
+      <p:ext uri="{BB962C8B-B14F-4D97-AF65-F5344CB8AC3E}">
+        <p14:creationId xmlns:p14="http://schemas.microsoft.com/office/powerpoint/2010/main" val="3377964697"/>
+      </p:ext>
+    </p:extLst>
+  </p:cSld>
+  <p:clrMapOvr>
+    <a:masterClrMapping/>
+  </p:clrMapOvr>
+</p:sld>
+</file>
+
+<file path=ppt/slides/slide17.xml><?xml version="1.0" encoding="utf-8"?>
+<p:sld xmlns:a="http://schemas.openxmlformats.org/drawingml/2006/main" xmlns:r="http://schemas.openxmlformats.org/officeDocument/2006/relationships" xmlns:p="http://schemas.openxmlformats.org/presentationml/2006/main">
+  <p:cSld>
+    <p:spTree>
+      <p:nvGrpSpPr>
+        <p:cNvPr id="1" name=""/>
+        <p:cNvGrpSpPr/>
+        <p:nvPr/>
+      </p:nvGrpSpPr>
+      <p:grpSpPr>
+        <a:xfrm>
+          <a:off x="0" y="0"/>
+          <a:ext cx="0" cy="0"/>
+          <a:chOff x="0" y="0"/>
+          <a:chExt cx="0" cy="0"/>
+        </a:xfrm>
+      </p:grpSpPr>
+      <p:sp>
+        <p:nvSpPr>
+          <p:cNvPr id="2" name="タイトル 1">
+            <a:extLst>
+              <a:ext uri="{FF2B5EF4-FFF2-40B4-BE49-F238E27FC236}">
+                <a16:creationId xmlns:a16="http://schemas.microsoft.com/office/drawing/2014/main" id="{69374B7C-BD05-004E-8E0D-599F0A7EFB49}"/>
+              </a:ext>
+            </a:extLst>
+          </p:cNvPr>
+          <p:cNvSpPr>
+            <a:spLocks noGrp="1"/>
+          </p:cNvSpPr>
+          <p:nvPr>
+            <p:ph type="title"/>
+          </p:nvPr>
+        </p:nvSpPr>
+        <p:spPr/>
+        <p:txBody>
+          <a:bodyPr/>
+          <a:lstStyle/>
+          <a:p>
+            <a:r>
+              <a:rPr lang="en-US" altLang="ja-JP" dirty="0"/>
+              <a:t>Optional</a:t>
+            </a:r>
+            <a:r>
+              <a:rPr lang="ja-JP" altLang="en-US"/>
+              <a:t>について</a:t>
+            </a:r>
+            <a:endParaRPr kumimoji="1" lang="ja-JP" altLang="en-US"/>
+          </a:p>
+        </p:txBody>
+      </p:sp>
+      <p:sp>
+        <p:nvSpPr>
+          <p:cNvPr id="3" name="コンテンツ プレースホルダー 2">
+            <a:extLst>
+              <a:ext uri="{FF2B5EF4-FFF2-40B4-BE49-F238E27FC236}">
+                <a16:creationId xmlns:a16="http://schemas.microsoft.com/office/drawing/2014/main" id="{019F6A5F-2A78-AA4D-B541-A177FB004A82}"/>
+              </a:ext>
+            </a:extLst>
+          </p:cNvPr>
+          <p:cNvSpPr>
+            <a:spLocks noGrp="1"/>
+          </p:cNvSpPr>
+          <p:nvPr>
+            <p:ph idx="1"/>
+          </p:nvPr>
+        </p:nvSpPr>
+        <p:spPr/>
+        <p:txBody>
+          <a:bodyPr/>
+          <a:lstStyle/>
+          <a:p>
+            <a:endParaRPr kumimoji="1" lang="ja-JP" altLang="en-US"/>
+          </a:p>
+        </p:txBody>
+      </p:sp>
+    </p:spTree>
+    <p:extLst>
+      <p:ext uri="{BB962C8B-B14F-4D97-AF65-F5344CB8AC3E}">
+        <p14:creationId xmlns:p14="http://schemas.microsoft.com/office/powerpoint/2010/main" val="3725039898"/>
       </p:ext>
     </p:extLst>
   </p:cSld>

--- a/第一回/第一回資料.pptx
+++ b/第一回/第一回資料.pptx
@@ -5391,7 +5391,7 @@
             </a:r>
             <a:r>
               <a:rPr lang="en-US" altLang="ja-JP" sz="2800" i="1" dirty="0"/>
-              <a:t> in 0..&lt;N</a:t>
+              <a:t> in 0..&lt;N {</a:t>
             </a:r>
           </a:p>
           <a:p>

--- a/第一回/第一回資料.pptx
+++ b/第一回/第一回資料.pptx
@@ -231,7 +231,7 @@
           <a:p>
             <a:fld id="{AA22101E-728B-184D-A501-564ACA79EF3F}" type="datetimeFigureOut">
               <a:rPr kumimoji="1" lang="ja-JP" altLang="en-US" smtClean="0"/>
-              <a:t>2019/10/4</a:t>
+              <a:t>2019/10/8</a:t>
             </a:fld>
             <a:endParaRPr kumimoji="1" lang="ja-JP" altLang="en-US"/>
           </a:p>
@@ -408,7 +408,7 @@
           <a:p>
             <a:fld id="{43A4CDF4-08BC-8A4A-A816-FA326C9398D5}" type="datetimeFigureOut">
               <a:rPr kumimoji="1" lang="ja-JP" altLang="en-US" smtClean="0"/>
-              <a:t>2019/10/4</a:t>
+              <a:t>2019/10/8</a:t>
             </a:fld>
             <a:endParaRPr kumimoji="1" lang="ja-JP" altLang="en-US"/>
           </a:p>
@@ -988,7 +988,7 @@
           <a:p>
             <a:fld id="{22946CDD-378E-A84A-8F0C-B44022576CF0}" type="datetimeFigureOut">
               <a:rPr kumimoji="1" lang="ja-JP" altLang="en-US" smtClean="0"/>
-              <a:t>2019/10/4</a:t>
+              <a:t>2019/10/8</a:t>
             </a:fld>
             <a:endParaRPr kumimoji="1" lang="ja-JP" altLang="en-US"/>
           </a:p>
@@ -1185,7 +1185,7 @@
           <a:p>
             <a:fld id="{22946CDD-378E-A84A-8F0C-B44022576CF0}" type="datetimeFigureOut">
               <a:rPr kumimoji="1" lang="ja-JP" altLang="en-US" smtClean="0"/>
-              <a:t>2019/10/4</a:t>
+              <a:t>2019/10/8</a:t>
             </a:fld>
             <a:endParaRPr kumimoji="1" lang="ja-JP" altLang="en-US"/>
           </a:p>
@@ -1392,7 +1392,7 @@
           <a:p>
             <a:fld id="{22946CDD-378E-A84A-8F0C-B44022576CF0}" type="datetimeFigureOut">
               <a:rPr kumimoji="1" lang="ja-JP" altLang="en-US" smtClean="0"/>
-              <a:t>2019/10/4</a:t>
+              <a:t>2019/10/8</a:t>
             </a:fld>
             <a:endParaRPr kumimoji="1" lang="ja-JP" altLang="en-US"/>
           </a:p>
@@ -1773,7 +1773,7 @@
           <a:p>
             <a:fld id="{22946CDD-378E-A84A-8F0C-B44022576CF0}" type="datetimeFigureOut">
               <a:rPr kumimoji="1" lang="ja-JP" altLang="en-US" smtClean="0"/>
-              <a:t>2019/10/4</a:t>
+              <a:t>2019/10/8</a:t>
             </a:fld>
             <a:endParaRPr kumimoji="1" lang="ja-JP" altLang="en-US"/>
           </a:p>
@@ -2115,7 +2115,7 @@
           <a:p>
             <a:fld id="{22946CDD-378E-A84A-8F0C-B44022576CF0}" type="datetimeFigureOut">
               <a:rPr kumimoji="1" lang="ja-JP" altLang="en-US" smtClean="0"/>
-              <a:t>2019/10/4</a:t>
+              <a:t>2019/10/8</a:t>
             </a:fld>
             <a:endParaRPr kumimoji="1" lang="ja-JP" altLang="en-US"/>
           </a:p>
@@ -2406,7 +2406,7 @@
           <a:p>
             <a:fld id="{22946CDD-378E-A84A-8F0C-B44022576CF0}" type="datetimeFigureOut">
               <a:rPr kumimoji="1" lang="ja-JP" altLang="en-US" smtClean="0"/>
-              <a:t>2019/10/4</a:t>
+              <a:t>2019/10/8</a:t>
             </a:fld>
             <a:endParaRPr kumimoji="1" lang="ja-JP" altLang="en-US"/>
           </a:p>
@@ -2832,7 +2832,7 @@
           <a:p>
             <a:fld id="{22946CDD-378E-A84A-8F0C-B44022576CF0}" type="datetimeFigureOut">
               <a:rPr kumimoji="1" lang="ja-JP" altLang="en-US" smtClean="0"/>
-              <a:t>2019/10/4</a:t>
+              <a:t>2019/10/8</a:t>
             </a:fld>
             <a:endParaRPr kumimoji="1" lang="ja-JP" altLang="en-US"/>
           </a:p>
@@ -2945,7 +2945,7 @@
           <a:p>
             <a:fld id="{22946CDD-378E-A84A-8F0C-B44022576CF0}" type="datetimeFigureOut">
               <a:rPr kumimoji="1" lang="ja-JP" altLang="en-US" smtClean="0"/>
-              <a:t>2019/10/4</a:t>
+              <a:t>2019/10/8</a:t>
             </a:fld>
             <a:endParaRPr kumimoji="1" lang="ja-JP" altLang="en-US"/>
           </a:p>
@@ -3035,7 +3035,7 @@
           <a:p>
             <a:fld id="{22946CDD-378E-A84A-8F0C-B44022576CF0}" type="datetimeFigureOut">
               <a:rPr kumimoji="1" lang="ja-JP" altLang="en-US" smtClean="0"/>
-              <a:t>2019/10/4</a:t>
+              <a:t>2019/10/8</a:t>
             </a:fld>
             <a:endParaRPr kumimoji="1" lang="ja-JP" altLang="en-US"/>
           </a:p>
@@ -3339,7 +3339,7 @@
           <a:p>
             <a:fld id="{22946CDD-378E-A84A-8F0C-B44022576CF0}" type="datetimeFigureOut">
               <a:rPr kumimoji="1" lang="ja-JP" altLang="en-US" smtClean="0"/>
-              <a:t>2019/10/4</a:t>
+              <a:t>2019/10/8</a:t>
             </a:fld>
             <a:endParaRPr kumimoji="1" lang="ja-JP" altLang="en-US"/>
           </a:p>
@@ -3591,7 +3591,7 @@
           <a:p>
             <a:fld id="{22946CDD-378E-A84A-8F0C-B44022576CF0}" type="datetimeFigureOut">
               <a:rPr kumimoji="1" lang="ja-JP" altLang="en-US" smtClean="0"/>
-              <a:t>2019/10/4</a:t>
+              <a:t>2019/10/8</a:t>
             </a:fld>
             <a:endParaRPr kumimoji="1" lang="ja-JP" altLang="en-US"/>
           </a:p>
@@ -3831,7 +3831,7 @@
           <a:p>
             <a:fld id="{22946CDD-378E-A84A-8F0C-B44022576CF0}" type="datetimeFigureOut">
               <a:rPr kumimoji="1" lang="ja-JP" altLang="en-US" smtClean="0"/>
-              <a:t>2019/10/4</a:t>
+              <a:t>2019/10/8</a:t>
             </a:fld>
             <a:endParaRPr kumimoji="1" lang="ja-JP" altLang="en-US"/>
           </a:p>
@@ -6096,7 +6096,78 @@
           <a:bodyPr/>
           <a:lstStyle/>
           <a:p>
-            <a:endParaRPr kumimoji="1" lang="ja-JP" altLang="en-US"/>
+            <a:r>
+              <a:rPr lang="en-US" altLang="ja-JP" dirty="0" err="1"/>
+              <a:t>var</a:t>
+            </a:r>
+            <a:r>
+              <a:rPr lang="en-US" altLang="ja-JP" dirty="0"/>
+              <a:t> </a:t>
+            </a:r>
+            <a:r>
+              <a:rPr lang="en-US" altLang="ja-JP" dirty="0" err="1"/>
+              <a:t>optValue</a:t>
+            </a:r>
+            <a:r>
+              <a:rPr lang="en-US" altLang="ja-JP" dirty="0"/>
+              <a:t> = </a:t>
+            </a:r>
+            <a:r>
+              <a:rPr lang="en-US" altLang="ja-JP" dirty="0" err="1"/>
+              <a:t>Int</a:t>
+            </a:r>
+            <a:r>
+              <a:rPr lang="en-US" altLang="ja-JP" dirty="0"/>
+              <a:t>?</a:t>
+            </a:r>
+          </a:p>
+          <a:p>
+            <a:pPr lvl="1"/>
+            <a:r>
+              <a:rPr kumimoji="1" lang="en-US" altLang="ja-JP" dirty="0"/>
+              <a:t>Null</a:t>
+            </a:r>
+            <a:r>
+              <a:rPr lang="ja-JP" altLang="en-US"/>
+              <a:t>を入れるのを許容した</a:t>
+            </a:r>
+            <a:r>
+              <a:rPr lang="en-US" altLang="ja-JP" dirty="0" err="1"/>
+              <a:t>Int</a:t>
+            </a:r>
+            <a:r>
+              <a:rPr lang="ja-JP" altLang="en-US"/>
+              <a:t>型の変数</a:t>
+            </a:r>
+            <a:endParaRPr lang="en-US" altLang="ja-JP" dirty="0"/>
+          </a:p>
+          <a:p>
+            <a:endParaRPr lang="en-US" altLang="ja-JP" dirty="0"/>
+          </a:p>
+          <a:p>
+            <a:r>
+              <a:rPr kumimoji="1" lang="ja-JP" altLang="en-US"/>
+              <a:t>取り出すときは以下を使う</a:t>
+            </a:r>
+            <a:endParaRPr kumimoji="1" lang="en-US" altLang="ja-JP" dirty="0"/>
+          </a:p>
+          <a:p>
+            <a:pPr lvl="1"/>
+            <a:r>
+              <a:rPr kumimoji="1" lang="en-US" altLang="ja-JP" dirty="0"/>
+              <a:t>guard let </a:t>
+            </a:r>
+            <a:r>
+              <a:rPr lang="en-US" altLang="ja-JP" dirty="0"/>
+              <a:t>else {return}</a:t>
+            </a:r>
+          </a:p>
+          <a:p>
+            <a:pPr lvl="1"/>
+            <a:r>
+              <a:rPr lang="en-US" altLang="ja-JP" dirty="0"/>
+              <a:t>if let </a:t>
+            </a:r>
           </a:p>
         </p:txBody>
       </p:sp>
